--- a/6. Develop AI solutions with Azure OpenAI/Develop AI solutions with Azure OpenAI.pptx
+++ b/6. Develop AI solutions with Azure OpenAI/Develop AI solutions with Azure OpenAI.pptx
@@ -235,7 +235,7 @@
           <a:p>
             <a:fld id="{B56F32FC-4BD9-442A-A8C6-51598C909FE3}" type="datetimeFigureOut">
               <a:rPr lang="en-US" smtClean="0"/>
-              <a:t>5/12/2023</a:t>
+              <a:t>5/13/2023</a:t>
             </a:fld>
             <a:endParaRPr lang="en-US" dirty="0"/>
           </a:p>
@@ -412,7 +412,7 @@
           <a:p>
             <a:fld id="{056371FA-A98D-41E8-93F4-09945841298A}" type="datetimeFigureOut">
               <a:rPr lang="en-US" smtClean="0"/>
-              <a:t>5/12/2023</a:t>
+              <a:t>5/13/2023</a:t>
             </a:fld>
             <a:endParaRPr lang="en-US" dirty="0"/>
           </a:p>
@@ -18160,15 +18160,6 @@
 </file>
 
 <file path=customXml/item1.xml><?xml version="1.0" encoding="utf-8"?>
-<?mso-contentType ?>
-<FormTemplates xmlns="http://schemas.microsoft.com/sharepoint/v3/contenttype/forms">
-  <Display>DocumentLibraryForm</Display>
-  <Edit>DocumentLibraryForm</Edit>
-  <New>DocumentLibraryForm</New>
-</FormTemplates>
-</file>
-
-<file path=customXml/item2.xml><?xml version="1.0" encoding="utf-8"?>
 <ct:contentTypeSchema xmlns:ct="http://schemas.microsoft.com/office/2006/metadata/contentType" xmlns:ma="http://schemas.microsoft.com/office/2006/metadata/properties/metaAttributes" ct:_="" ma:_="" ma:contentTypeName="Document" ma:contentTypeID="0x01010079F111ED35F8CC479449609E8A0923A6" ma:contentTypeVersion="20" ma:contentTypeDescription="Create a new document." ma:contentTypeScope="" ma:versionID="1267097ee5f5874adfcc408041ae252e">
   <xsd:schema xmlns:xsd="http://www.w3.org/2001/XMLSchema" xmlns:xs="http://www.w3.org/2001/XMLSchema" xmlns:p="http://schemas.microsoft.com/office/2006/metadata/properties" xmlns:ns1="http://schemas.microsoft.com/sharepoint/v3" xmlns:ns2="71af3243-3dd4-4a8d-8c0d-dd76da1f02a5" xmlns:ns3="16c05727-aa75-4e4a-9b5f-8a80a1165891" xmlns:ns4="230e9df3-be65-4c73-a93b-d1236ebd677e" targetNamespace="http://schemas.microsoft.com/office/2006/metadata/properties" ma:root="true" ma:fieldsID="395891a93df65b14727750f2c06c306c" ns1:_="" ns2:_="" ns3:_="" ns4:_="">
     <xsd:import namespace="http://schemas.microsoft.com/sharepoint/v3"/>
@@ -18444,6 +18435,15 @@
 </ct:contentTypeSchema>
 </file>
 
+<file path=customXml/item2.xml><?xml version="1.0" encoding="utf-8"?>
+<?mso-contentType ?>
+<FormTemplates xmlns="http://schemas.microsoft.com/sharepoint/v3/contenttype/forms">
+  <Display>DocumentLibraryForm</Display>
+  <Edit>DocumentLibraryForm</Edit>
+  <New>DocumentLibraryForm</New>
+</FormTemplates>
+</file>
+
 <file path=customXml/item3.xml><?xml version="1.0" encoding="utf-8"?>
 <p:properties xmlns:p="http://schemas.microsoft.com/office/2006/metadata/properties" xmlns:xsi="http://www.w3.org/2001/XMLSchema-instance" xmlns:pc="http://schemas.microsoft.com/office/infopath/2007/PartnerControls">
   <documentManagement>
@@ -18464,14 +18464,6 @@
 </file>
 
 <file path=customXml/itemProps1.xml><?xml version="1.0" encoding="utf-8"?>
-<ds:datastoreItem xmlns:ds="http://schemas.openxmlformats.org/officeDocument/2006/customXml" ds:itemID="{BD5826B4-4DD2-4A9B-8D6D-E91CF9C2316C}">
-  <ds:schemaRefs>
-    <ds:schemaRef ds:uri="http://schemas.microsoft.com/sharepoint/v3/contenttype/forms"/>
-  </ds:schemaRefs>
-</ds:datastoreItem>
-</file>
-
-<file path=customXml/itemProps2.xml><?xml version="1.0" encoding="utf-8"?>
 <ds:datastoreItem xmlns:ds="http://schemas.openxmlformats.org/officeDocument/2006/customXml" ds:itemID="{4DC6F004-8F9D-4F40-8394-6C4C67F70915}">
   <ds:schemaRefs>
     <ds:schemaRef ds:uri="http://schemas.microsoft.com/office/2006/metadata/contentType"/>
@@ -18488,6 +18480,14 @@
     <ds:schemaRef ds:uri="http://purl.org/dc/elements/1.1/"/>
     <ds:schemaRef ds:uri="http://purl.org/dc/terms/"/>
     <ds:schemaRef ds:uri="http://schemas.microsoft.com/internal/obd"/>
+  </ds:schemaRefs>
+</ds:datastoreItem>
+</file>
+
+<file path=customXml/itemProps2.xml><?xml version="1.0" encoding="utf-8"?>
+<ds:datastoreItem xmlns:ds="http://schemas.openxmlformats.org/officeDocument/2006/customXml" ds:itemID="{BD5826B4-4DD2-4A9B-8D6D-E91CF9C2316C}">
+  <ds:schemaRefs>
+    <ds:schemaRef ds:uri="http://schemas.microsoft.com/sharepoint/v3/contenttype/forms"/>
   </ds:schemaRefs>
 </ds:datastoreItem>
 </file>

--- a/6. Develop AI solutions with Azure OpenAI/Develop AI solutions with Azure OpenAI.pptx
+++ b/6. Develop AI solutions with Azure OpenAI/Develop AI solutions with Azure OpenAI.pptx
@@ -21,16 +21,16 @@
     <p:sldId id="281" r:id="rId12"/>
     <p:sldId id="272" r:id="rId13"/>
     <p:sldId id="282" r:id="rId14"/>
-    <p:sldId id="283" r:id="rId15"/>
-    <p:sldId id="284" r:id="rId16"/>
-    <p:sldId id="285" r:id="rId17"/>
-    <p:sldId id="275" r:id="rId18"/>
-    <p:sldId id="286" r:id="rId19"/>
-    <p:sldId id="287" r:id="rId20"/>
-    <p:sldId id="288" r:id="rId21"/>
+    <p:sldId id="291" r:id="rId15"/>
+    <p:sldId id="292" r:id="rId16"/>
+    <p:sldId id="284" r:id="rId17"/>
+    <p:sldId id="285" r:id="rId18"/>
+    <p:sldId id="275" r:id="rId19"/>
+    <p:sldId id="286" r:id="rId20"/>
+    <p:sldId id="287" r:id="rId21"/>
     <p:sldId id="289" r:id="rId22"/>
     <p:sldId id="278" r:id="rId23"/>
-    <p:sldId id="290" r:id="rId24"/>
+    <p:sldId id="293" r:id="rId24"/>
     <p:sldId id="266" r:id="rId25"/>
     <p:sldId id="271" r:id="rId26"/>
   </p:sldIdLst>
@@ -838,7 +838,7 @@
           <a:p>
             <a:fld id="{22289C57-55D7-40A4-A101-E74FAC7A092B}" type="slidenum">
               <a:rPr lang="en-US" smtClean="0"/>
-              <a:t>13</a:t>
+              <a:t>14</a:t>
             </a:fld>
             <a:endParaRPr lang="en-US" dirty="0"/>
           </a:p>
@@ -990,7 +990,7 @@
           <a:p>
             <a:r>
               <a:rPr lang="en-US" dirty="0"/>
-              <a:t>https://learn.microsoft.com/en-us/azure/cognitive-services/openai/chatgpt-quickstart?pivots=programming-language-csharp&amp;tabs=command-line</a:t>
+              <a:t>https://microsoftlearning.github.io/mslearn-openai/Instructions/Labs/01-get-started-azure-openai.html</a:t>
             </a:r>
           </a:p>
         </p:txBody>
@@ -1021,7 +1021,7 @@
     </p:spTree>
     <p:extLst>
       <p:ext uri="{BB962C8B-B14F-4D97-AF65-F5344CB8AC3E}">
-        <p14:creationId xmlns:p14="http://schemas.microsoft.com/office/powerpoint/2010/main" val="56593485"/>
+        <p14:creationId xmlns:p14="http://schemas.microsoft.com/office/powerpoint/2010/main" val="2354004102"/>
       </p:ext>
     </p:extLst>
   </p:cSld>
@@ -10060,6 +10060,11 @@
             <p:custDataLst>
               <p:tags r:id="rId1"/>
             </p:custDataLst>
+            <p:extLst>
+              <p:ext uri="{D42A27DB-BD31-4B8C-83A1-F6EECF244321}">
+                <p14:modId xmlns:p14="http://schemas.microsoft.com/office/powerpoint/2010/main" val="2312028265"/>
+              </p:ext>
+            </p:extLst>
           </p:nvPr>
         </p:nvGraphicFramePr>
         <p:xfrm>
@@ -10138,36 +10143,32 @@
           <a:lstStyle/>
           <a:p>
             <a:r>
-              <a:rPr lang="en-US" b="0" i="0" dirty="0">
+              <a:rPr lang="en-US" dirty="0">
                 <a:solidFill>
                   <a:srgbClr val="161616"/>
                 </a:solidFill>
-                <a:effectLst/>
                 <a:latin typeface="Segoe UI" panose="020B0502040204020203" pitchFamily="34" charset="0"/>
               </a:rPr>
-              <a:t>Azure </a:t>
-            </a:r>
-            <a:r>
-              <a:rPr lang="en-US" b="0" i="0" dirty="0" err="1">
+              <a:t>Create an Azure </a:t>
+            </a:r>
+            <a:r>
+              <a:rPr lang="en-US" dirty="0" err="1">
                 <a:solidFill>
                   <a:srgbClr val="161616"/>
                 </a:solidFill>
-                <a:effectLst/>
                 <a:latin typeface="Segoe UI" panose="020B0502040204020203" pitchFamily="34" charset="0"/>
               </a:rPr>
               <a:t>OpenAI</a:t>
             </a:r>
             <a:r>
-              <a:rPr lang="en-US" b="0" i="0" dirty="0">
+              <a:rPr lang="en-US" dirty="0">
                 <a:solidFill>
                   <a:srgbClr val="161616"/>
                 </a:solidFill>
-                <a:effectLst/>
                 <a:latin typeface="Segoe UI" panose="020B0502040204020203" pitchFamily="34" charset="0"/>
               </a:rPr>
-              <a:t> Service brings generative AI models to the Azure platform</a:t>
-            </a:r>
-            <a:endParaRPr lang="en-US" dirty="0"/>
+              <a:t> resource</a:t>
+            </a:r>
           </a:p>
         </p:txBody>
       </p:sp>
@@ -10189,7 +10190,7 @@
         </p:nvSpPr>
         <p:spPr>
           <a:xfrm>
-            <a:off x="1243104" y="2776936"/>
+            <a:off x="1243104" y="3176986"/>
             <a:ext cx="2882475" cy="823912"/>
           </a:xfrm>
         </p:spPr>
@@ -10198,10 +10199,9 @@
           <a:lstStyle/>
           <a:p>
             <a:r>
-              <a:rPr lang="en-US" dirty="0" err="1"/>
-              <a:t>ChatGPT</a:t>
-            </a:r>
-            <a:endParaRPr lang="en-US" dirty="0"/>
+              <a:rPr lang="en-US" dirty="0"/>
+              <a:t>Step 1</a:t>
+            </a:r>
           </a:p>
         </p:txBody>
       </p:sp>
@@ -10223,7 +10223,7 @@
         </p:nvSpPr>
         <p:spPr>
           <a:xfrm>
-            <a:off x="1243104" y="3834606"/>
+            <a:off x="1243104" y="4234656"/>
             <a:ext cx="2882475" cy="1997867"/>
           </a:xfrm>
         </p:spPr>
@@ -10233,44 +10233,22 @@
           </a:bodyPr>
           <a:lstStyle/>
           <a:p>
+            <a:pPr algn="l"/>
+            <a:r>
+              <a:rPr lang="en-US" dirty="0"/>
+              <a:t>Navigate to the </a:t>
+            </a:r>
             <a:r>
               <a:rPr lang="en-US" dirty="0">
-                <a:solidFill>
-                  <a:srgbClr val="161616"/>
-                </a:solidFill>
-                <a:latin typeface="Segoe UI" panose="020B0502040204020203" pitchFamily="34" charset="0"/>
+                <a:hlinkClick r:id="rId5">
+                  <a:extLst>
+                    <a:ext uri="{A12FA001-AC4F-418D-AE19-62706E023703}">
+                      <ahyp:hlinkClr xmlns:ahyp="http://schemas.microsoft.com/office/drawing/2018/hyperlinkcolor" val="tx"/>
+                    </a:ext>
+                  </a:extLst>
+                </a:hlinkClick>
               </a:rPr>
-              <a:t>A</a:t>
-            </a:r>
-            <a:r>
-              <a:rPr lang="en-US" b="0" i="0" dirty="0">
-                <a:solidFill>
-                  <a:srgbClr val="161616"/>
-                </a:solidFill>
-                <a:effectLst/>
-                <a:latin typeface="Segoe UI" panose="020B0502040204020203" pitchFamily="34" charset="0"/>
-              </a:rPr>
-              <a:t> chatbot built by the </a:t>
-            </a:r>
-            <a:r>
-              <a:rPr lang="en-US" b="0" i="0" dirty="0" err="1">
-                <a:solidFill>
-                  <a:srgbClr val="161616"/>
-                </a:solidFill>
-                <a:effectLst/>
-                <a:latin typeface="Segoe UI" panose="020B0502040204020203" pitchFamily="34" charset="0"/>
-              </a:rPr>
-              <a:t>OpenAI</a:t>
-            </a:r>
-            <a:r>
-              <a:rPr lang="en-US" b="0" i="0" dirty="0">
-                <a:solidFill>
-                  <a:srgbClr val="161616"/>
-                </a:solidFill>
-                <a:effectLst/>
-                <a:latin typeface="Segoe UI" panose="020B0502040204020203" pitchFamily="34" charset="0"/>
-              </a:rPr>
-              <a:t> research company that takes in natural language input from a user and returns a machine-created, human-like response.</a:t>
+              <a:t>Azure portal</a:t>
             </a:r>
             <a:endParaRPr lang="en-US" dirty="0"/>
           </a:p>
@@ -10294,7 +10272,7 @@
         </p:nvSpPr>
         <p:spPr>
           <a:xfrm>
-            <a:off x="4647665" y="2776936"/>
+            <a:off x="4647665" y="3176986"/>
             <a:ext cx="2896671" cy="823912"/>
           </a:xfrm>
         </p:spPr>
@@ -10304,7 +10282,7 @@
           <a:p>
             <a:r>
               <a:rPr lang="en-US" dirty="0"/>
-              <a:t>GitHub Copilot </a:t>
+              <a:t>Step 2</a:t>
             </a:r>
           </a:p>
         </p:txBody>
@@ -10327,7 +10305,7 @@
         </p:nvSpPr>
         <p:spPr>
           <a:xfrm>
-            <a:off x="4647665" y="3834606"/>
+            <a:off x="4647665" y="4234656"/>
             <a:ext cx="2896671" cy="1997867"/>
           </a:xfrm>
         </p:spPr>
@@ -10339,15 +10317,23 @@
           <a:p>
             <a:r>
               <a:rPr lang="en-US" dirty="0"/>
-              <a:t>GitHub Copilot uses the </a:t>
-            </a:r>
-            <a:r>
-              <a:rPr lang="en-US" dirty="0" err="1"/>
+              <a:t>Search for </a:t>
+            </a:r>
+            <a:r>
+              <a:rPr lang="en-US" b="1" dirty="0"/>
+              <a:t>Azure </a:t>
+            </a:r>
+            <a:r>
+              <a:rPr lang="en-US" b="1" dirty="0" err="1"/>
               <a:t>OpenAI</a:t>
             </a:r>
             <a:r>
               <a:rPr lang="en-US" dirty="0"/>
-              <a:t> Codex to suggest code and entire functions in real-time, right from your editor.​​</a:t>
+              <a:t>, select it, and click </a:t>
+            </a:r>
+            <a:r>
+              <a:rPr lang="en-US" b="1" dirty="0"/>
+              <a:t>Create</a:t>
             </a:r>
           </a:p>
         </p:txBody>
@@ -10370,7 +10356,7 @@
         </p:nvSpPr>
         <p:spPr>
           <a:xfrm>
-            <a:off x="8066421" y="2776936"/>
+            <a:off x="8066421" y="3176986"/>
             <a:ext cx="2882475" cy="823912"/>
           </a:xfrm>
         </p:spPr>
@@ -10380,7 +10366,7 @@
           <a:p>
             <a:r>
               <a:rPr lang="en-US" dirty="0"/>
-              <a:t>DALL·E 2</a:t>
+              <a:t>Step 3</a:t>
             </a:r>
           </a:p>
         </p:txBody>
@@ -10403,7 +10389,7 @@
         </p:nvSpPr>
         <p:spPr>
           <a:xfrm>
-            <a:off x="8066421" y="3834606"/>
+            <a:off x="8066421" y="4234656"/>
             <a:ext cx="2882475" cy="1997867"/>
           </a:xfrm>
         </p:spPr>
@@ -10415,7 +10401,7 @@
           <a:p>
             <a:r>
               <a:rPr lang="en-US" dirty="0"/>
-              <a:t>An AI system that can create realistic images and art from a description in natural .language</a:t>
+              <a:t>Enter the appropriate values for the empty fields and create the resource.</a:t>
             </a:r>
           </a:p>
         </p:txBody>
@@ -10471,8 +10457,8 @@
         </p:nvSpPr>
         <p:spPr>
           <a:xfrm>
-            <a:off x="1601360" y="1944834"/>
-            <a:ext cx="9571416" cy="552792"/>
+            <a:off x="1171575" y="2344884"/>
+            <a:ext cx="10182225" cy="552792"/>
           </a:xfrm>
           <a:prstGeom prst="rect">
             <a:avLst/>
@@ -10655,17 +10641,17 @@
                 <a:effectLst/>
                 <a:latin typeface="Segoe UI" panose="020B0502040204020203" pitchFamily="34" charset="0"/>
               </a:rPr>
-              <a:t>Many </a:t>
-            </a:r>
-            <a:r>
-              <a:rPr lang="en-US" b="1" i="0" dirty="0">
+              <a:t>An Azure </a:t>
+            </a:r>
+            <a:r>
+              <a:rPr lang="en-US" b="0" i="0" dirty="0" err="1">
                 <a:solidFill>
                   <a:srgbClr val="161616"/>
                 </a:solidFill>
                 <a:effectLst/>
                 <a:latin typeface="Segoe UI" panose="020B0502040204020203" pitchFamily="34" charset="0"/>
               </a:rPr>
-              <a:t>generative AI </a:t>
+              <a:t>OpenAI</a:t>
             </a:r>
             <a:r>
               <a:rPr lang="en-US" b="0" i="0" dirty="0">
@@ -10675,17 +10661,7 @@
                 <a:effectLst/>
                 <a:latin typeface="Segoe UI" panose="020B0502040204020203" pitchFamily="34" charset="0"/>
               </a:rPr>
-              <a:t>models are a subset of </a:t>
-            </a:r>
-            <a:r>
-              <a:rPr lang="en-US" b="1" i="0" dirty="0">
-                <a:solidFill>
-                  <a:srgbClr val="161616"/>
-                </a:solidFill>
-                <a:effectLst/>
-                <a:latin typeface="Segoe UI" panose="020B0502040204020203" pitchFamily="34" charset="0"/>
-              </a:rPr>
-              <a:t>deep learning algorithms</a:t>
+              <a:t> resource can be deployed through both the Azure command line interface (CLI) and the Azure portal</a:t>
             </a:r>
             <a:endParaRPr lang="en-US" b="1" dirty="0"/>
           </a:p>
@@ -10737,6 +10713,11 @@
             <p:custDataLst>
               <p:tags r:id="rId1"/>
             </p:custDataLst>
+            <p:extLst>
+              <p:ext uri="{D42A27DB-BD31-4B8C-83A1-F6EECF244321}">
+                <p14:modId xmlns:p14="http://schemas.microsoft.com/office/powerpoint/2010/main" val="1625339908"/>
+              </p:ext>
+            </p:extLst>
           </p:nvPr>
         </p:nvGraphicFramePr>
         <p:xfrm>
@@ -10815,36 +10796,281 @@
           <a:lstStyle/>
           <a:p>
             <a:r>
-              <a:rPr lang="en-US" b="0" i="0" dirty="0">
+              <a:rPr lang="en-US" dirty="0">
+                <a:solidFill>
+                  <a:srgbClr val="161616"/>
+                </a:solidFill>
+                <a:latin typeface="Segoe UI" panose="020B0502040204020203" pitchFamily="34" charset="0"/>
+              </a:rPr>
+              <a:t>Choose and deploy a model</a:t>
+            </a:r>
+          </a:p>
+        </p:txBody>
+      </p:sp>
+      <p:sp>
+        <p:nvSpPr>
+          <p:cNvPr id="3" name="Text Placeholder 2">
+            <a:extLst>
+              <a:ext uri="{FF2B5EF4-FFF2-40B4-BE49-F238E27FC236}">
+                <a16:creationId xmlns:a16="http://schemas.microsoft.com/office/drawing/2014/main" id="{D851C395-6BC4-4F00-B40B-069DBBB7C08B}"/>
+              </a:ext>
+            </a:extLst>
+          </p:cNvPr>
+          <p:cNvSpPr>
+            <a:spLocks noGrp="1"/>
+          </p:cNvSpPr>
+          <p:nvPr>
+            <p:ph type="body" idx="1"/>
+          </p:nvPr>
+        </p:nvSpPr>
+        <p:spPr>
+          <a:xfrm>
+            <a:off x="1243104" y="3148411"/>
+            <a:ext cx="2882475" cy="823912"/>
+          </a:xfrm>
+        </p:spPr>
+        <p:txBody>
+          <a:bodyPr/>
+          <a:lstStyle/>
+          <a:p>
+            <a:r>
+              <a:rPr lang="en-US" b="1" i="0" dirty="0">
                 <a:solidFill>
                   <a:srgbClr val="161616"/>
                 </a:solidFill>
                 <a:effectLst/>
                 <a:latin typeface="Segoe UI" panose="020B0502040204020203" pitchFamily="34" charset="0"/>
               </a:rPr>
-              <a:t>Azure </a:t>
-            </a:r>
-            <a:r>
-              <a:rPr lang="en-US" b="0" i="0" dirty="0" err="1">
+              <a:t>Text</a:t>
+            </a:r>
+            <a:r>
+              <a:rPr lang="en-US" b="0" i="0" dirty="0">
                 <a:solidFill>
                   <a:srgbClr val="161616"/>
                 </a:solidFill>
                 <a:effectLst/>
                 <a:latin typeface="Segoe UI" panose="020B0502040204020203" pitchFamily="34" charset="0"/>
               </a:rPr>
-              <a:t>OpenAI</a:t>
-            </a:r>
-            <a:r>
-              <a:rPr lang="en-US" b="0" i="0" dirty="0">
+              <a:t> or </a:t>
+            </a:r>
+            <a:r>
+              <a:rPr lang="en-US" b="1" i="0" dirty="0">
                 <a:solidFill>
                   <a:srgbClr val="161616"/>
                 </a:solidFill>
                 <a:effectLst/>
                 <a:latin typeface="Segoe UI" panose="020B0502040204020203" pitchFamily="34" charset="0"/>
               </a:rPr>
-              <a:t> Service</a:t>
+              <a:t>Generative Pre-trained Transformer (GPT)</a:t>
             </a:r>
             <a:endParaRPr lang="en-US" dirty="0"/>
+          </a:p>
+        </p:txBody>
+      </p:sp>
+      <p:sp>
+        <p:nvSpPr>
+          <p:cNvPr id="4" name="Content Placeholder 3">
+            <a:extLst>
+              <a:ext uri="{FF2B5EF4-FFF2-40B4-BE49-F238E27FC236}">
+                <a16:creationId xmlns:a16="http://schemas.microsoft.com/office/drawing/2014/main" id="{A1D16151-9486-4A03-AE3A-F1CC562E0564}"/>
+              </a:ext>
+            </a:extLst>
+          </p:cNvPr>
+          <p:cNvSpPr>
+            <a:spLocks noGrp="1"/>
+          </p:cNvSpPr>
+          <p:nvPr>
+            <p:ph sz="half" idx="2"/>
+          </p:nvPr>
+        </p:nvSpPr>
+        <p:spPr>
+          <a:xfrm>
+            <a:off x="1243104" y="4206081"/>
+            <a:ext cx="2882475" cy="1997867"/>
+          </a:xfrm>
+        </p:spPr>
+        <p:txBody>
+          <a:bodyPr>
+            <a:normAutofit/>
+          </a:bodyPr>
+          <a:lstStyle/>
+          <a:p>
+            <a:pPr algn="l"/>
+            <a:r>
+              <a:rPr lang="en-US" dirty="0"/>
+              <a:t>Models that understand and generate natural language and some code. These models are best at general tasks, conversations, and chat formats.</a:t>
+            </a:r>
+          </a:p>
+        </p:txBody>
+      </p:sp>
+      <p:sp>
+        <p:nvSpPr>
+          <p:cNvPr id="5" name="Text Placeholder 4">
+            <a:extLst>
+              <a:ext uri="{FF2B5EF4-FFF2-40B4-BE49-F238E27FC236}">
+                <a16:creationId xmlns:a16="http://schemas.microsoft.com/office/drawing/2014/main" id="{DDE59236-37DD-4582-A2A0-3F9A13A3B55D}"/>
+              </a:ext>
+            </a:extLst>
+          </p:cNvPr>
+          <p:cNvSpPr>
+            <a:spLocks noGrp="1"/>
+          </p:cNvSpPr>
+          <p:nvPr>
+            <p:ph type="body" sz="quarter" idx="3"/>
+          </p:nvPr>
+        </p:nvSpPr>
+        <p:spPr>
+          <a:xfrm>
+            <a:off x="4647665" y="3148411"/>
+            <a:ext cx="2896671" cy="823912"/>
+          </a:xfrm>
+        </p:spPr>
+        <p:txBody>
+          <a:bodyPr/>
+          <a:lstStyle/>
+          <a:p>
+            <a:r>
+              <a:rPr lang="en-US" b="1" i="0" dirty="0">
+                <a:solidFill>
+                  <a:srgbClr val="161616"/>
+                </a:solidFill>
+                <a:effectLst/>
+                <a:latin typeface="Segoe UI" panose="020B0502040204020203" pitchFamily="34" charset="0"/>
+              </a:rPr>
+              <a:t>Code</a:t>
+            </a:r>
+            <a:r>
+              <a:rPr lang="en-US" b="0" i="0" dirty="0">
+                <a:solidFill>
+                  <a:srgbClr val="161616"/>
+                </a:solidFill>
+                <a:effectLst/>
+                <a:latin typeface="Segoe UI" panose="020B0502040204020203" pitchFamily="34" charset="0"/>
+              </a:rPr>
+              <a:t> </a:t>
+            </a:r>
+            <a:endParaRPr lang="en-US" dirty="0"/>
+          </a:p>
+        </p:txBody>
+      </p:sp>
+      <p:sp>
+        <p:nvSpPr>
+          <p:cNvPr id="6" name="Content Placeholder 5">
+            <a:extLst>
+              <a:ext uri="{FF2B5EF4-FFF2-40B4-BE49-F238E27FC236}">
+                <a16:creationId xmlns:a16="http://schemas.microsoft.com/office/drawing/2014/main" id="{DE1CCF0F-F0BB-42D7-B3C2-C29336739F32}"/>
+              </a:ext>
+            </a:extLst>
+          </p:cNvPr>
+          <p:cNvSpPr>
+            <a:spLocks noGrp="1"/>
+          </p:cNvSpPr>
+          <p:nvPr>
+            <p:ph sz="quarter" idx="4"/>
+          </p:nvPr>
+        </p:nvSpPr>
+        <p:spPr>
+          <a:xfrm>
+            <a:off x="4647665" y="4206081"/>
+            <a:ext cx="2896671" cy="1997867"/>
+          </a:xfrm>
+        </p:spPr>
+        <p:txBody>
+          <a:bodyPr>
+            <a:normAutofit/>
+          </a:bodyPr>
+          <a:lstStyle/>
+          <a:p>
+            <a:r>
+              <a:rPr lang="en-US" dirty="0"/>
+              <a:t>Code models are built on top of GPT models, and trained on millions of lines of code. These models can understand and generate code, including interpreting comments or natural language to generate code.</a:t>
+            </a:r>
+            <a:endParaRPr lang="en-US" b="1" dirty="0"/>
+          </a:p>
+        </p:txBody>
+      </p:sp>
+      <p:sp>
+        <p:nvSpPr>
+          <p:cNvPr id="7" name="Text Placeholder 6">
+            <a:extLst>
+              <a:ext uri="{FF2B5EF4-FFF2-40B4-BE49-F238E27FC236}">
+                <a16:creationId xmlns:a16="http://schemas.microsoft.com/office/drawing/2014/main" id="{1F939793-2181-4A3D-9C5A-CE676CC83EC0}"/>
+              </a:ext>
+            </a:extLst>
+          </p:cNvPr>
+          <p:cNvSpPr>
+            <a:spLocks noGrp="1"/>
+          </p:cNvSpPr>
+          <p:nvPr>
+            <p:ph type="body" idx="13"/>
+          </p:nvPr>
+        </p:nvSpPr>
+        <p:spPr>
+          <a:xfrm>
+            <a:off x="8066421" y="3148411"/>
+            <a:ext cx="2882475" cy="823912"/>
+          </a:xfrm>
+        </p:spPr>
+        <p:txBody>
+          <a:bodyPr/>
+          <a:lstStyle/>
+          <a:p>
+            <a:r>
+              <a:rPr lang="en-US" b="1" i="0" dirty="0">
+                <a:solidFill>
+                  <a:srgbClr val="161616"/>
+                </a:solidFill>
+                <a:effectLst/>
+                <a:latin typeface="Segoe UI" panose="020B0502040204020203" pitchFamily="34" charset="0"/>
+              </a:rPr>
+              <a:t>Embeddings</a:t>
+            </a:r>
+            <a:r>
+              <a:rPr lang="en-US" b="0" i="0" dirty="0">
+                <a:solidFill>
+                  <a:srgbClr val="161616"/>
+                </a:solidFill>
+                <a:effectLst/>
+                <a:latin typeface="Segoe UI" panose="020B0502040204020203" pitchFamily="34" charset="0"/>
+              </a:rPr>
+              <a:t> </a:t>
+            </a:r>
+            <a:endParaRPr lang="en-US" dirty="0"/>
+          </a:p>
+        </p:txBody>
+      </p:sp>
+      <p:sp>
+        <p:nvSpPr>
+          <p:cNvPr id="8" name="Content Placeholder 7">
+            <a:extLst>
+              <a:ext uri="{FF2B5EF4-FFF2-40B4-BE49-F238E27FC236}">
+                <a16:creationId xmlns:a16="http://schemas.microsoft.com/office/drawing/2014/main" id="{C9FA0B0D-7B36-4D63-86BD-20E6E1B6A0D8}"/>
+              </a:ext>
+            </a:extLst>
+          </p:cNvPr>
+          <p:cNvSpPr>
+            <a:spLocks noGrp="1"/>
+          </p:cNvSpPr>
+          <p:nvPr>
+            <p:ph sz="half" idx="14"/>
+          </p:nvPr>
+        </p:nvSpPr>
+        <p:spPr>
+          <a:xfrm>
+            <a:off x="8066421" y="4206081"/>
+            <a:ext cx="2882475" cy="1997867"/>
+          </a:xfrm>
+        </p:spPr>
+        <p:txBody>
+          <a:bodyPr>
+            <a:normAutofit/>
+          </a:bodyPr>
+          <a:lstStyle/>
+          <a:p>
+            <a:r>
+              <a:rPr lang="en-US" dirty="0"/>
+              <a:t>These models can understand and use embeddings, which are a special format of data that can be used by machine learning models and algorithms.</a:t>
+            </a:r>
           </a:p>
         </p:txBody>
       </p:sp>
@@ -10899,8 +11125,8 @@
         </p:nvSpPr>
         <p:spPr>
           <a:xfrm>
-            <a:off x="1601360" y="1944834"/>
-            <a:ext cx="9571416" cy="3708664"/>
+            <a:off x="1171575" y="1780533"/>
+            <a:ext cx="10182225" cy="945051"/>
           </a:xfrm>
           <a:prstGeom prst="rect">
             <a:avLst/>
@@ -11075,174 +11301,17 @@
             </a:lvl9pPr>
           </a:lstStyle>
           <a:p>
-            <a:pPr marL="342900" indent="-342900" algn="just">
-              <a:buFont typeface="Arial" panose="020B0604020202020204" pitchFamily="34" charset="0"/>
-              <a:buChar char="•"/>
-            </a:pPr>
+            <a:pPr algn="just"/>
             <a:r>
               <a:rPr lang="en-US" b="0" i="0" dirty="0">
                 <a:solidFill>
-                  <a:srgbClr val="323130"/>
+                  <a:srgbClr val="161616"/>
                 </a:solidFill>
                 <a:effectLst/>
                 <a:latin typeface="Segoe UI" panose="020B0502040204020203" pitchFamily="34" charset="0"/>
               </a:rPr>
-              <a:t>Azure </a:t>
-            </a:r>
-            <a:r>
-              <a:rPr lang="en-US" b="0" i="0" dirty="0" err="1">
-                <a:solidFill>
-                  <a:srgbClr val="323130"/>
-                </a:solidFill>
-                <a:effectLst/>
-                <a:latin typeface="Segoe UI" panose="020B0502040204020203" pitchFamily="34" charset="0"/>
-              </a:rPr>
-              <a:t>OpenAI</a:t>
-            </a:r>
-            <a:r>
-              <a:rPr lang="en-US" b="0" i="0" dirty="0">
-                <a:solidFill>
-                  <a:srgbClr val="323130"/>
-                </a:solidFill>
-                <a:effectLst/>
-                <a:latin typeface="Segoe UI" panose="020B0502040204020203" pitchFamily="34" charset="0"/>
-              </a:rPr>
-              <a:t> Service provides access to </a:t>
-            </a:r>
-            <a:r>
-              <a:rPr lang="en-US" b="0" i="0" dirty="0" err="1">
-                <a:solidFill>
-                  <a:srgbClr val="323130"/>
-                </a:solidFill>
-                <a:effectLst/>
-                <a:latin typeface="Segoe UI" panose="020B0502040204020203" pitchFamily="34" charset="0"/>
-              </a:rPr>
-              <a:t>OpenAI's</a:t>
-            </a:r>
-            <a:r>
-              <a:rPr lang="en-US" b="0" i="0" dirty="0">
-                <a:solidFill>
-                  <a:srgbClr val="323130"/>
-                </a:solidFill>
-                <a:effectLst/>
-                <a:latin typeface="Segoe UI" panose="020B0502040204020203" pitchFamily="34" charset="0"/>
-              </a:rPr>
-              <a:t> language models, such as GPT-4, Codex, and Embeddings, for tasks like content generation, summarization, semantic search, and natural language to code translation</a:t>
-            </a:r>
-          </a:p>
-          <a:p>
-            <a:pPr marL="342900" indent="-342900" algn="just">
-              <a:buFont typeface="Arial" panose="020B0604020202020204" pitchFamily="34" charset="0"/>
-              <a:buChar char="•"/>
-            </a:pPr>
-            <a:endParaRPr lang="en-US" b="0" i="0" dirty="0">
-              <a:solidFill>
-                <a:srgbClr val="323130"/>
-              </a:solidFill>
-              <a:effectLst/>
-              <a:latin typeface="Segoe UI" panose="020B0502040204020203" pitchFamily="34" charset="0"/>
-            </a:endParaRPr>
-          </a:p>
-          <a:p>
-            <a:pPr marL="342900" indent="-342900" algn="just">
-              <a:buFont typeface="Arial" panose="020B0604020202020204" pitchFamily="34" charset="0"/>
-              <a:buChar char="•"/>
-            </a:pPr>
-            <a:r>
-              <a:rPr lang="en-US" b="0" i="0" dirty="0">
-                <a:solidFill>
-                  <a:srgbClr val="323130"/>
-                </a:solidFill>
-                <a:effectLst/>
-                <a:latin typeface="Segoe UI" panose="020B0502040204020203" pitchFamily="34" charset="0"/>
-              </a:rPr>
-              <a:t>It can be accessed through REST APIs, Python SDK, or the Azure </a:t>
-            </a:r>
-            <a:r>
-              <a:rPr lang="en-US" b="0" i="0" dirty="0" err="1">
-                <a:solidFill>
-                  <a:srgbClr val="323130"/>
-                </a:solidFill>
-                <a:effectLst/>
-                <a:latin typeface="Segoe UI" panose="020B0502040204020203" pitchFamily="34" charset="0"/>
-              </a:rPr>
-              <a:t>OpenAI</a:t>
-            </a:r>
-            <a:r>
-              <a:rPr lang="en-US" b="0" i="0" dirty="0">
-                <a:solidFill>
-                  <a:srgbClr val="323130"/>
-                </a:solidFill>
-                <a:effectLst/>
-                <a:latin typeface="Segoe UI" panose="020B0502040204020203" pitchFamily="34" charset="0"/>
-              </a:rPr>
-              <a:t> Studio web-based interface</a:t>
-            </a:r>
-          </a:p>
-          <a:p>
-            <a:pPr marL="342900" indent="-342900" algn="just">
-              <a:buFont typeface="Arial" panose="020B0604020202020204" pitchFamily="34" charset="0"/>
-              <a:buChar char="•"/>
-            </a:pPr>
-            <a:endParaRPr lang="en-US" b="0" i="0" dirty="0">
-              <a:solidFill>
-                <a:srgbClr val="323130"/>
-              </a:solidFill>
-              <a:effectLst/>
-              <a:latin typeface="Segoe UI" panose="020B0502040204020203" pitchFamily="34" charset="0"/>
-            </a:endParaRPr>
-          </a:p>
-          <a:p>
-            <a:pPr marL="342900" indent="-342900" algn="just">
-              <a:buFont typeface="Arial" panose="020B0604020202020204" pitchFamily="34" charset="0"/>
-              <a:buChar char="•"/>
-            </a:pPr>
-            <a:r>
-              <a:rPr lang="en-US" b="0" i="0" dirty="0">
-                <a:solidFill>
-                  <a:srgbClr val="161616"/>
-                </a:solidFill>
-                <a:effectLst/>
-                <a:latin typeface="Segoe UI" panose="020B0502040204020203" pitchFamily="34" charset="0"/>
-              </a:rPr>
-              <a:t>Azure </a:t>
-            </a:r>
-            <a:r>
-              <a:rPr lang="en-US" b="0" i="0" dirty="0" err="1">
-                <a:solidFill>
-                  <a:srgbClr val="161616"/>
-                </a:solidFill>
-                <a:effectLst/>
-                <a:latin typeface="Segoe UI" panose="020B0502040204020203" pitchFamily="34" charset="0"/>
-              </a:rPr>
-              <a:t>OpenAI</a:t>
-            </a:r>
-            <a:r>
-              <a:rPr lang="en-US" b="0" i="0" dirty="0">
-                <a:solidFill>
-                  <a:srgbClr val="161616"/>
-                </a:solidFill>
-                <a:effectLst/>
-                <a:latin typeface="Segoe UI" panose="020B0502040204020203" pitchFamily="34" charset="0"/>
-              </a:rPr>
-              <a:t> Service is currently in limited access. Users need to apply for service access at </a:t>
-            </a:r>
-            <a:r>
-              <a:rPr lang="en-US" b="0" i="0" u="none" strike="noStrike" dirty="0">
-                <a:effectLst/>
-                <a:latin typeface="Segoe UI" panose="020B0502040204020203" pitchFamily="34" charset="0"/>
-                <a:hlinkClick r:id="rId5"/>
-              </a:rPr>
-              <a:t>https://aka.ms/oai/access</a:t>
-            </a:r>
-            <a:endParaRPr lang="en-US" u="none" strike="noStrike" dirty="0">
-              <a:solidFill>
-                <a:srgbClr val="161616"/>
-              </a:solidFill>
-              <a:latin typeface="Segoe UI" panose="020B0502040204020203" pitchFamily="34" charset="0"/>
-            </a:endParaRPr>
-          </a:p>
-          <a:p>
+              <a:t>Each model family excels at different tasks, and there are different capabilities of the models within each family. Model families break down into three main families:</a:t>
+            </a:r>
             <a:endParaRPr lang="en-US" b="1" dirty="0"/>
           </a:p>
         </p:txBody>
@@ -11250,7 +11319,7 @@
     </p:spTree>
     <p:extLst>
       <p:ext uri="{BB962C8B-B14F-4D97-AF65-F5344CB8AC3E}">
-        <p14:creationId xmlns:p14="http://schemas.microsoft.com/office/powerpoint/2010/main" val="4056503492"/>
+        <p14:creationId xmlns:p14="http://schemas.microsoft.com/office/powerpoint/2010/main" val="377292898"/>
       </p:ext>
     </p:extLst>
   </p:cSld>
@@ -11279,10 +11348,10 @@
       </p:grpSpPr>
       <p:graphicFrame>
         <p:nvGraphicFramePr>
-          <p:cNvPr id="5" name="Object 4" hidden="1">
-            <a:extLst>
-              <a:ext uri="{FF2B5EF4-FFF2-40B4-BE49-F238E27FC236}">
-                <a16:creationId xmlns:a16="http://schemas.microsoft.com/office/drawing/2014/main" id="{CD6FC67A-C919-80F8-52C9-D4DDDBFF7843}"/>
+          <p:cNvPr id="9" name="Object 8" hidden="1">
+            <a:extLst>
+              <a:ext uri="{FF2B5EF4-FFF2-40B4-BE49-F238E27FC236}">
+                <a16:creationId xmlns:a16="http://schemas.microsoft.com/office/drawing/2014/main" id="{89868679-2C63-86CF-4032-CF24F10195E9}"/>
               </a:ext>
             </a:extLst>
           </p:cNvPr>
@@ -11293,6 +11362,543 @@
             <p:custDataLst>
               <p:tags r:id="rId1"/>
             </p:custDataLst>
+            <p:extLst>
+              <p:ext uri="{D42A27DB-BD31-4B8C-83A1-F6EECF244321}">
+                <p14:modId xmlns:p14="http://schemas.microsoft.com/office/powerpoint/2010/main" val="2671522257"/>
+              </p:ext>
+            </p:extLst>
+          </p:nvPr>
+        </p:nvGraphicFramePr>
+        <p:xfrm>
+          <a:off x="1588" y="1588"/>
+          <a:ext cx="1588" cy="1588"/>
+        </p:xfrm>
+        <a:graphic>
+          <a:graphicData uri="http://schemas.openxmlformats.org/presentationml/2006/ole">
+            <mc:AlternateContent xmlns:mc="http://schemas.openxmlformats.org/markup-compatibility/2006">
+              <mc:Choice xmlns:v="urn:schemas-microsoft-com:vml" Requires="v">
+                <p:oleObj name="think-cell Slide" r:id="rId3" imgW="487" imgH="488" progId="TCLayout.ActiveDocument.1">
+                  <p:embed/>
+                </p:oleObj>
+              </mc:Choice>
+              <mc:Fallback>
+                <p:oleObj name="think-cell Slide" r:id="rId3" imgW="487" imgH="488" progId="TCLayout.ActiveDocument.1">
+                  <p:embed/>
+                  <p:pic>
+                    <p:nvPicPr>
+                      <p:cNvPr id="9" name="Object 8" hidden="1">
+                        <a:extLst>
+                          <a:ext uri="{FF2B5EF4-FFF2-40B4-BE49-F238E27FC236}">
+                            <a16:creationId xmlns:a16="http://schemas.microsoft.com/office/drawing/2014/main" id="{89868679-2C63-86CF-4032-CF24F10195E9}"/>
+                          </a:ext>
+                        </a:extLst>
+                      </p:cNvPr>
+                      <p:cNvPicPr/>
+                      <p:nvPr/>
+                    </p:nvPicPr>
+                    <p:blipFill>
+                      <a:blip r:embed="rId4"/>
+                      <a:stretch>
+                        <a:fillRect/>
+                      </a:stretch>
+                    </p:blipFill>
+                    <p:spPr>
+                      <a:xfrm>
+                        <a:off x="1588" y="1588"/>
+                        <a:ext cx="1588" cy="1588"/>
+                      </a:xfrm>
+                      <a:prstGeom prst="rect">
+                        <a:avLst/>
+                      </a:prstGeom>
+                    </p:spPr>
+                  </p:pic>
+                </p:oleObj>
+              </mc:Fallback>
+            </mc:AlternateContent>
+          </a:graphicData>
+        </a:graphic>
+      </p:graphicFrame>
+      <p:sp>
+        <p:nvSpPr>
+          <p:cNvPr id="2" name="Title 1">
+            <a:extLst>
+              <a:ext uri="{FF2B5EF4-FFF2-40B4-BE49-F238E27FC236}">
+                <a16:creationId xmlns:a16="http://schemas.microsoft.com/office/drawing/2014/main" id="{C4CA0637-CCAA-425E-A57A-6205AFDC8B8C}"/>
+              </a:ext>
+            </a:extLst>
+          </p:cNvPr>
+          <p:cNvSpPr>
+            <a:spLocks noGrp="1"/>
+          </p:cNvSpPr>
+          <p:nvPr>
+            <p:ph type="title"/>
+          </p:nvPr>
+        </p:nvSpPr>
+        <p:spPr>
+          <a:xfrm>
+            <a:off x="1508528" y="493001"/>
+            <a:ext cx="10411162" cy="1325563"/>
+          </a:xfrm>
+        </p:spPr>
+        <p:txBody>
+          <a:bodyPr vert="horz"/>
+          <a:lstStyle/>
+          <a:p>
+            <a:r>
+              <a:rPr lang="en-US" b="0" i="0" dirty="0">
+                <a:solidFill>
+                  <a:srgbClr val="161616"/>
+                </a:solidFill>
+                <a:effectLst/>
+                <a:latin typeface="Segoe UI" panose="020B0502040204020203" pitchFamily="34" charset="0"/>
+              </a:rPr>
+              <a:t>Authentication and Model Specification</a:t>
+            </a:r>
+            <a:endParaRPr lang="en-US" dirty="0"/>
+          </a:p>
+        </p:txBody>
+      </p:sp>
+      <p:sp>
+        <p:nvSpPr>
+          <p:cNvPr id="11" name="Slide Number Placeholder 10">
+            <a:extLst>
+              <a:ext uri="{FF2B5EF4-FFF2-40B4-BE49-F238E27FC236}">
+                <a16:creationId xmlns:a16="http://schemas.microsoft.com/office/drawing/2014/main" id="{7AE81C1E-A7C3-40CD-9C11-0C03A2221292}"/>
+              </a:ext>
+            </a:extLst>
+          </p:cNvPr>
+          <p:cNvSpPr>
+            <a:spLocks noGrp="1"/>
+          </p:cNvSpPr>
+          <p:nvPr>
+            <p:ph type="sldNum" sz="quarter" idx="12"/>
+          </p:nvPr>
+        </p:nvSpPr>
+        <p:spPr>
+          <a:xfrm>
+            <a:off x="8610600" y="6356350"/>
+            <a:ext cx="2743200" cy="365125"/>
+          </a:xfrm>
+        </p:spPr>
+        <p:txBody>
+          <a:bodyPr/>
+          <a:lstStyle/>
+          <a:p>
+            <a:fld id="{A49DFD55-3C28-40EF-9E31-A92D2E4017FF}" type="slidenum">
+              <a:rPr lang="en-US" smtClean="0"/>
+              <a:pPr/>
+              <a:t>12</a:t>
+            </a:fld>
+            <a:endParaRPr lang="en-US" dirty="0"/>
+          </a:p>
+        </p:txBody>
+      </p:sp>
+      <p:sp>
+        <p:nvSpPr>
+          <p:cNvPr id="13" name="Text Placeholder 4">
+            <a:extLst>
+              <a:ext uri="{FF2B5EF4-FFF2-40B4-BE49-F238E27FC236}">
+                <a16:creationId xmlns:a16="http://schemas.microsoft.com/office/drawing/2014/main" id="{8F310AC2-EF7E-D1D3-2891-7327D0DD9D8A}"/>
+              </a:ext>
+            </a:extLst>
+          </p:cNvPr>
+          <p:cNvSpPr txBox="1">
+            <a:spLocks/>
+          </p:cNvSpPr>
+          <p:nvPr/>
+        </p:nvSpPr>
+        <p:spPr>
+          <a:xfrm>
+            <a:off x="1601360" y="1944834"/>
+            <a:ext cx="9571416" cy="3708664"/>
+          </a:xfrm>
+          <a:prstGeom prst="rect">
+            <a:avLst/>
+          </a:prstGeom>
+        </p:spPr>
+        <p:txBody>
+          <a:bodyPr vert="horz" lIns="91440" tIns="45720" rIns="91440" bIns="45720" rtlCol="0" anchor="b">
+            <a:noAutofit/>
+          </a:bodyPr>
+          <a:lstStyle>
+            <a:lvl1pPr marL="0" indent="0" algn="l" defTabSz="914400" rtl="0" eaLnBrk="1" latinLnBrk="0" hangingPunct="1">
+              <a:lnSpc>
+                <a:spcPct val="90000"/>
+              </a:lnSpc>
+              <a:spcBef>
+                <a:spcPts val="1000"/>
+              </a:spcBef>
+              <a:buFont typeface="Arial" panose="020B0604020202020204" pitchFamily="34" charset="0"/>
+              <a:buNone/>
+              <a:defRPr lang="en-US" sz="2000" kern="1200" spc="150" baseline="0" dirty="0" smtClean="0">
+                <a:solidFill>
+                  <a:schemeClr val="tx1"/>
+                </a:solidFill>
+                <a:latin typeface="+mj-lt"/>
+                <a:ea typeface="+mj-ea"/>
+                <a:cs typeface="+mj-cs"/>
+              </a:defRPr>
+            </a:lvl1pPr>
+            <a:lvl2pPr marL="457200" indent="0" algn="l" defTabSz="914400" rtl="0" eaLnBrk="1" latinLnBrk="0" hangingPunct="1">
+              <a:lnSpc>
+                <a:spcPct val="90000"/>
+              </a:lnSpc>
+              <a:spcBef>
+                <a:spcPts val="500"/>
+              </a:spcBef>
+              <a:buFont typeface="Arial" panose="020B0604020202020204" pitchFamily="34" charset="0"/>
+              <a:buNone/>
+              <a:defRPr sz="2000" b="1" kern="1200">
+                <a:solidFill>
+                  <a:schemeClr val="tx1"/>
+                </a:solidFill>
+                <a:latin typeface="+mn-lt"/>
+                <a:ea typeface="+mn-ea"/>
+                <a:cs typeface="+mn-cs"/>
+              </a:defRPr>
+            </a:lvl2pPr>
+            <a:lvl3pPr marL="914400" indent="0" algn="l" defTabSz="914400" rtl="0" eaLnBrk="1" latinLnBrk="0" hangingPunct="1">
+              <a:lnSpc>
+                <a:spcPct val="90000"/>
+              </a:lnSpc>
+              <a:spcBef>
+                <a:spcPts val="500"/>
+              </a:spcBef>
+              <a:buFont typeface="Arial" panose="020B0604020202020204" pitchFamily="34" charset="0"/>
+              <a:buNone/>
+              <a:defRPr sz="1800" b="1" kern="1200">
+                <a:solidFill>
+                  <a:schemeClr val="tx1"/>
+                </a:solidFill>
+                <a:latin typeface="+mn-lt"/>
+                <a:ea typeface="+mn-ea"/>
+                <a:cs typeface="+mn-cs"/>
+              </a:defRPr>
+            </a:lvl3pPr>
+            <a:lvl4pPr marL="1371600" indent="0" algn="l" defTabSz="914400" rtl="0" eaLnBrk="1" latinLnBrk="0" hangingPunct="1">
+              <a:lnSpc>
+                <a:spcPct val="90000"/>
+              </a:lnSpc>
+              <a:spcBef>
+                <a:spcPts val="500"/>
+              </a:spcBef>
+              <a:buFont typeface="Arial" panose="020B0604020202020204" pitchFamily="34" charset="0"/>
+              <a:buNone/>
+              <a:defRPr sz="1600" b="1" kern="1200">
+                <a:solidFill>
+                  <a:schemeClr val="tx1"/>
+                </a:solidFill>
+                <a:latin typeface="+mn-lt"/>
+                <a:ea typeface="+mn-ea"/>
+                <a:cs typeface="+mn-cs"/>
+              </a:defRPr>
+            </a:lvl4pPr>
+            <a:lvl5pPr marL="1828800" indent="0" algn="l" defTabSz="914400" rtl="0" eaLnBrk="1" latinLnBrk="0" hangingPunct="1">
+              <a:lnSpc>
+                <a:spcPct val="90000"/>
+              </a:lnSpc>
+              <a:spcBef>
+                <a:spcPts val="500"/>
+              </a:spcBef>
+              <a:buFont typeface="Arial" panose="020B0604020202020204" pitchFamily="34" charset="0"/>
+              <a:buNone/>
+              <a:defRPr sz="1600" b="1" kern="1200">
+                <a:solidFill>
+                  <a:schemeClr val="tx1"/>
+                </a:solidFill>
+                <a:latin typeface="+mn-lt"/>
+                <a:ea typeface="+mn-ea"/>
+                <a:cs typeface="+mn-cs"/>
+              </a:defRPr>
+            </a:lvl5pPr>
+            <a:lvl6pPr marL="2286000" indent="0" algn="l" defTabSz="914400" rtl="0" eaLnBrk="1" latinLnBrk="0" hangingPunct="1">
+              <a:lnSpc>
+                <a:spcPct val="90000"/>
+              </a:lnSpc>
+              <a:spcBef>
+                <a:spcPts val="500"/>
+              </a:spcBef>
+              <a:buFont typeface="Arial" panose="020B0604020202020204" pitchFamily="34" charset="0"/>
+              <a:buNone/>
+              <a:defRPr sz="1600" b="1" kern="1200">
+                <a:solidFill>
+                  <a:schemeClr val="tx1"/>
+                </a:solidFill>
+                <a:latin typeface="+mn-lt"/>
+                <a:ea typeface="+mn-ea"/>
+                <a:cs typeface="+mn-cs"/>
+              </a:defRPr>
+            </a:lvl6pPr>
+            <a:lvl7pPr marL="2743200" indent="0" algn="l" defTabSz="914400" rtl="0" eaLnBrk="1" latinLnBrk="0" hangingPunct="1">
+              <a:lnSpc>
+                <a:spcPct val="90000"/>
+              </a:lnSpc>
+              <a:spcBef>
+                <a:spcPts val="500"/>
+              </a:spcBef>
+              <a:buFont typeface="Arial" panose="020B0604020202020204" pitchFamily="34" charset="0"/>
+              <a:buNone/>
+              <a:defRPr sz="1600" b="1" kern="1200">
+                <a:solidFill>
+                  <a:schemeClr val="tx1"/>
+                </a:solidFill>
+                <a:latin typeface="+mn-lt"/>
+                <a:ea typeface="+mn-ea"/>
+                <a:cs typeface="+mn-cs"/>
+              </a:defRPr>
+            </a:lvl7pPr>
+            <a:lvl8pPr marL="3200400" indent="0" algn="l" defTabSz="914400" rtl="0" eaLnBrk="1" latinLnBrk="0" hangingPunct="1">
+              <a:lnSpc>
+                <a:spcPct val="90000"/>
+              </a:lnSpc>
+              <a:spcBef>
+                <a:spcPts val="500"/>
+              </a:spcBef>
+              <a:buFont typeface="Arial" panose="020B0604020202020204" pitchFamily="34" charset="0"/>
+              <a:buNone/>
+              <a:defRPr sz="1600" b="1" kern="1200">
+                <a:solidFill>
+                  <a:schemeClr val="tx1"/>
+                </a:solidFill>
+                <a:latin typeface="+mn-lt"/>
+                <a:ea typeface="+mn-ea"/>
+                <a:cs typeface="+mn-cs"/>
+              </a:defRPr>
+            </a:lvl8pPr>
+            <a:lvl9pPr marL="3657600" indent="0" algn="l" defTabSz="914400" rtl="0" eaLnBrk="1" latinLnBrk="0" hangingPunct="1">
+              <a:lnSpc>
+                <a:spcPct val="90000"/>
+              </a:lnSpc>
+              <a:spcBef>
+                <a:spcPts val="500"/>
+              </a:spcBef>
+              <a:buFont typeface="Arial" panose="020B0604020202020204" pitchFamily="34" charset="0"/>
+              <a:buNone/>
+              <a:defRPr sz="1600" b="1" kern="1200">
+                <a:solidFill>
+                  <a:schemeClr val="tx1"/>
+                </a:solidFill>
+                <a:latin typeface="+mn-lt"/>
+                <a:ea typeface="+mn-ea"/>
+                <a:cs typeface="+mn-cs"/>
+              </a:defRPr>
+            </a:lvl9pPr>
+          </a:lstStyle>
+          <a:p>
+            <a:pPr marL="342900" indent="-342900" algn="just">
+              <a:buFont typeface="Arial" panose="020B0604020202020204" pitchFamily="34" charset="0"/>
+              <a:buChar char="•"/>
+            </a:pPr>
+            <a:r>
+              <a:rPr lang="en-US" b="0" i="0" dirty="0">
+                <a:solidFill>
+                  <a:srgbClr val="161616"/>
+                </a:solidFill>
+                <a:effectLst/>
+                <a:latin typeface="Segoe UI" panose="020B0502040204020203" pitchFamily="34" charset="0"/>
+              </a:rPr>
+              <a:t>When configuring your app, you need to specify your resource endpoint, key, and deployment name to specify</a:t>
+            </a:r>
+          </a:p>
+          <a:p>
+            <a:pPr marL="342900" indent="-342900" algn="just">
+              <a:buFont typeface="Arial" panose="020B0604020202020204" pitchFamily="34" charset="0"/>
+              <a:buChar char="•"/>
+            </a:pPr>
+            <a:endParaRPr lang="en-US" b="0" i="0" dirty="0">
+              <a:solidFill>
+                <a:srgbClr val="323130"/>
+              </a:solidFill>
+              <a:effectLst/>
+              <a:latin typeface="Segoe UI" panose="020B0502040204020203" pitchFamily="34" charset="0"/>
+            </a:endParaRPr>
+          </a:p>
+          <a:p>
+            <a:pPr marL="342900" indent="-342900" algn="just">
+              <a:buFont typeface="Arial" panose="020B0604020202020204" pitchFamily="34" charset="0"/>
+              <a:buChar char="•"/>
+            </a:pPr>
+            <a:r>
+              <a:rPr lang="en-US" dirty="0">
+                <a:solidFill>
+                  <a:srgbClr val="323130"/>
+                </a:solidFill>
+                <a:latin typeface="Segoe UI" panose="020B0502040204020203" pitchFamily="34" charset="0"/>
+              </a:rPr>
+              <a:t>The available end points are:</a:t>
+            </a:r>
+          </a:p>
+          <a:p>
+            <a:pPr marL="800100" lvl="1" indent="-342900" algn="just">
+              <a:buFont typeface="Arial" panose="020B0604020202020204" pitchFamily="34" charset="0"/>
+              <a:buChar char="•"/>
+            </a:pPr>
+            <a:endParaRPr lang="en-US" sz="1600" b="0" i="0" dirty="0">
+              <a:solidFill>
+                <a:srgbClr val="323130"/>
+              </a:solidFill>
+              <a:effectLst/>
+              <a:latin typeface="Segoe UI" panose="020B0502040204020203" pitchFamily="34" charset="0"/>
+            </a:endParaRPr>
+          </a:p>
+          <a:p>
+            <a:pPr marL="800100" lvl="1" indent="-342900" algn="just">
+              <a:buFont typeface="Arial" panose="020B0604020202020204" pitchFamily="34" charset="0"/>
+              <a:buChar char="•"/>
+            </a:pPr>
+            <a:r>
+              <a:rPr lang="en-US" sz="1600" i="0" dirty="0">
+                <a:solidFill>
+                  <a:srgbClr val="323130"/>
+                </a:solidFill>
+                <a:effectLst/>
+                <a:latin typeface="Segoe UI" panose="020B0502040204020203" pitchFamily="34" charset="0"/>
+              </a:rPr>
+              <a:t>Completion</a:t>
+            </a:r>
+            <a:r>
+              <a:rPr lang="en-US" sz="1600" b="0" i="0" dirty="0">
+                <a:solidFill>
+                  <a:srgbClr val="323130"/>
+                </a:solidFill>
+                <a:effectLst/>
+                <a:latin typeface="Segoe UI" panose="020B0502040204020203" pitchFamily="34" charset="0"/>
+              </a:rPr>
+              <a:t> - model takes an input prompt, and generates one or more predicted completions</a:t>
+            </a:r>
+          </a:p>
+          <a:p>
+            <a:pPr marL="800100" lvl="1" indent="-342900" algn="just">
+              <a:buFont typeface="Arial" panose="020B0604020202020204" pitchFamily="34" charset="0"/>
+              <a:buChar char="•"/>
+            </a:pPr>
+            <a:endParaRPr lang="en-US" sz="1600" b="0" i="0" dirty="0">
+              <a:solidFill>
+                <a:srgbClr val="323130"/>
+              </a:solidFill>
+              <a:effectLst/>
+              <a:latin typeface="Segoe UI" panose="020B0502040204020203" pitchFamily="34" charset="0"/>
+            </a:endParaRPr>
+          </a:p>
+          <a:p>
+            <a:pPr marL="800100" lvl="1" indent="-342900" algn="just">
+              <a:buFont typeface="Arial" panose="020B0604020202020204" pitchFamily="34" charset="0"/>
+              <a:buChar char="•"/>
+            </a:pPr>
+            <a:r>
+              <a:rPr lang="en-US" sz="1600" i="0" dirty="0" err="1">
+                <a:solidFill>
+                  <a:srgbClr val="323130"/>
+                </a:solidFill>
+                <a:effectLst/>
+                <a:latin typeface="Segoe UI" panose="020B0502040204020203" pitchFamily="34" charset="0"/>
+              </a:rPr>
+              <a:t>ChatCompletion</a:t>
+            </a:r>
+            <a:r>
+              <a:rPr lang="en-US" sz="1600" b="0" i="0" dirty="0">
+                <a:solidFill>
+                  <a:srgbClr val="323130"/>
+                </a:solidFill>
+                <a:effectLst/>
+                <a:latin typeface="Segoe UI" panose="020B0502040204020203" pitchFamily="34" charset="0"/>
+              </a:rPr>
+              <a:t> - model takes input in the form of a chat conversation (where roles are specified with the message they send), and the next chat completion is generated</a:t>
+            </a:r>
+          </a:p>
+          <a:p>
+            <a:pPr marL="800100" lvl="1" indent="-342900" algn="just">
+              <a:buFont typeface="Arial" panose="020B0604020202020204" pitchFamily="34" charset="0"/>
+              <a:buChar char="•"/>
+            </a:pPr>
+            <a:endParaRPr lang="en-US" sz="1600" b="0" i="0" dirty="0">
+              <a:solidFill>
+                <a:srgbClr val="323130"/>
+              </a:solidFill>
+              <a:effectLst/>
+              <a:latin typeface="Segoe UI" panose="020B0502040204020203" pitchFamily="34" charset="0"/>
+            </a:endParaRPr>
+          </a:p>
+          <a:p>
+            <a:pPr marL="800100" lvl="1" indent="-342900" algn="just">
+              <a:buFont typeface="Arial" panose="020B0604020202020204" pitchFamily="34" charset="0"/>
+              <a:buChar char="•"/>
+            </a:pPr>
+            <a:r>
+              <a:rPr lang="en-US" sz="1600" i="0" dirty="0">
+                <a:solidFill>
+                  <a:srgbClr val="323130"/>
+                </a:solidFill>
+                <a:effectLst/>
+                <a:latin typeface="Segoe UI" panose="020B0502040204020203" pitchFamily="34" charset="0"/>
+              </a:rPr>
+              <a:t>Embeddings</a:t>
+            </a:r>
+            <a:r>
+              <a:rPr lang="en-US" sz="1600" b="0" i="0" dirty="0">
+                <a:solidFill>
+                  <a:srgbClr val="323130"/>
+                </a:solidFill>
+                <a:effectLst/>
+                <a:latin typeface="Segoe UI" panose="020B0502040204020203" pitchFamily="34" charset="0"/>
+              </a:rPr>
+              <a:t> - model takes input and returns a vector representation of that input</a:t>
+            </a:r>
+            <a:endParaRPr lang="en-US" b="1" dirty="0"/>
+          </a:p>
+        </p:txBody>
+      </p:sp>
+    </p:spTree>
+    <p:extLst>
+      <p:ext uri="{BB962C8B-B14F-4D97-AF65-F5344CB8AC3E}">
+        <p14:creationId xmlns:p14="http://schemas.microsoft.com/office/powerpoint/2010/main" val="2630698151"/>
+      </p:ext>
+    </p:extLst>
+  </p:cSld>
+  <p:clrMapOvr>
+    <a:masterClrMapping/>
+  </p:clrMapOvr>
+</p:sld>
+</file>
+
+<file path=ppt/slides/slide13.xml><?xml version="1.0" encoding="utf-8"?>
+<p:sld xmlns:a="http://schemas.openxmlformats.org/drawingml/2006/main" xmlns:r="http://schemas.openxmlformats.org/officeDocument/2006/relationships" xmlns:p="http://schemas.openxmlformats.org/presentationml/2006/main">
+  <p:cSld>
+    <p:spTree>
+      <p:nvGrpSpPr>
+        <p:cNvPr id="1" name=""/>
+        <p:cNvGrpSpPr/>
+        <p:nvPr/>
+      </p:nvGrpSpPr>
+      <p:grpSpPr>
+        <a:xfrm>
+          <a:off x="0" y="0"/>
+          <a:ext cx="0" cy="0"/>
+          <a:chOff x="0" y="0"/>
+          <a:chExt cx="0" cy="0"/>
+        </a:xfrm>
+      </p:grpSpPr>
+      <p:graphicFrame>
+        <p:nvGraphicFramePr>
+          <p:cNvPr id="5" name="Object 4" hidden="1">
+            <a:extLst>
+              <a:ext uri="{FF2B5EF4-FFF2-40B4-BE49-F238E27FC236}">
+                <a16:creationId xmlns:a16="http://schemas.microsoft.com/office/drawing/2014/main" id="{CD6FC67A-C919-80F8-52C9-D4DDDBFF7843}"/>
+              </a:ext>
+            </a:extLst>
+          </p:cNvPr>
+          <p:cNvGraphicFramePr>
+            <a:graphicFrameLocks noChangeAspect="1"/>
+          </p:cNvGraphicFramePr>
+          <p:nvPr>
+            <p:custDataLst>
+              <p:tags r:id="rId1"/>
+            </p:custDataLst>
+            <p:extLst>
+              <p:ext uri="{D42A27DB-BD31-4B8C-83A1-F6EECF244321}">
+                <p14:modId xmlns:p14="http://schemas.microsoft.com/office/powerpoint/2010/main" val="3430751279"/>
+              </p:ext>
+            </p:extLst>
           </p:nvPr>
         </p:nvGraphicFramePr>
         <p:xfrm>
@@ -11372,7 +11978,15 @@
           <a:p>
             <a:r>
               <a:rPr lang="en-US" dirty="0"/>
-              <a:t>Types of generative AI models</a:t>
+              <a:t>Azure </a:t>
+            </a:r>
+            <a:r>
+              <a:rPr lang="en-US" dirty="0" err="1"/>
+              <a:t>OpeAI</a:t>
+            </a:r>
+            <a:r>
+              <a:rPr lang="en-US" dirty="0"/>
+              <a:t> Rest API</a:t>
             </a:r>
           </a:p>
         </p:txBody>
@@ -11391,11 +12005,16 @@
           </p:cNvGraphicFramePr>
           <p:nvPr>
             <p:ph type="tbl" sz="quarter" idx="14"/>
+            <p:extLst>
+              <p:ext uri="{D42A27DB-BD31-4B8C-83A1-F6EECF244321}">
+                <p14:modId xmlns:p14="http://schemas.microsoft.com/office/powerpoint/2010/main" val="3320862399"/>
+              </p:ext>
+            </p:extLst>
           </p:nvPr>
         </p:nvGraphicFramePr>
         <p:xfrm>
           <a:off x="838199" y="2111375"/>
-          <a:ext cx="10640538" cy="3570970"/>
+          <a:ext cx="10515600" cy="2856776"/>
         </p:xfrm>
         <a:graphic>
           <a:graphicData uri="http://schemas.openxmlformats.org/drawingml/2006/table">
@@ -11404,24 +12023,17 @@
                 <a:tableStyleId>{7E9639D4-E3E2-4D34-9284-5A2195B3D0D7}</a:tableStyleId>
               </a:tblPr>
               <a:tblGrid>
-                <a:gridCol w="2296500">
+                <a:gridCol w="2877793">
                   <a:extLst>
                     <a:ext uri="{9D8B030D-6E8A-4147-A177-3AD203B41FA5}">
                       <a16:colId xmlns:a16="http://schemas.microsoft.com/office/drawing/2014/main" val="3261104555"/>
                     </a:ext>
                   </a:extLst>
                 </a:gridCol>
-                <a:gridCol w="5846844">
+                <a:gridCol w="7637807">
                   <a:extLst>
                     <a:ext uri="{9D8B030D-6E8A-4147-A177-3AD203B41FA5}">
                       <a16:colId xmlns:a16="http://schemas.microsoft.com/office/drawing/2014/main" val="2547279344"/>
-                    </a:ext>
-                  </a:extLst>
-                </a:gridCol>
-                <a:gridCol w="2497194">
-                  <a:extLst>
-                    <a:ext uri="{9D8B030D-6E8A-4147-A177-3AD203B41FA5}">
-                      <a16:colId xmlns:a16="http://schemas.microsoft.com/office/drawing/2014/main" val="2366228292"/>
                     </a:ext>
                   </a:extLst>
                 </a:gridCol>
@@ -11441,7 +12053,7 @@
                           <a:effectLst/>
                           <a:latin typeface="+mn-lt"/>
                         </a:rPr>
-                        <a:t>​Family</a:t>
+                        <a:t>​Placeholder name</a:t>
                       </a:r>
                     </a:p>
                   </a:txBody>
@@ -11500,7 +12112,7 @@
                           <a:ea typeface="+mn-ea"/>
                           <a:cs typeface="+mn-cs"/>
                         </a:rPr>
-                        <a:t>Description</a:t>
+                        <a:t>Value</a:t>
                       </a:r>
                       <a:endParaRPr lang="en-US" sz="1600" b="1" i="0" dirty="0">
                         <a:solidFill>
@@ -11523,35 +12135,6 @@
                     </a:lnL>
                   </a:tcPr>
                 </a:tc>
-                <a:tc>
-                  <a:txBody>
-                    <a:bodyPr/>
-                    <a:lstStyle/>
-                    <a:p>
-                      <a:pPr algn="l" rtl="0" fontAlgn="base"/>
-                      <a:r>
-                        <a:rPr lang="en-US" sz="1800" b="1" i="0" kern="1200" dirty="0">
-                          <a:solidFill>
-                            <a:schemeClr val="bg1"/>
-                          </a:solidFill>
-                          <a:effectLst/>
-                          <a:latin typeface="+mn-lt"/>
-                          <a:ea typeface="+mn-ea"/>
-                          <a:cs typeface="+mn-cs"/>
-                        </a:rPr>
-                        <a:t>Base models within the Family</a:t>
-                      </a:r>
-                      <a:endParaRPr lang="en-US" sz="1600" b="1" i="0" dirty="0">
-                        <a:solidFill>
-                          <a:schemeClr val="accent1"/>
-                        </a:solidFill>
-                        <a:effectLst/>
-                        <a:latin typeface="+mn-lt"/>
-                      </a:endParaRPr>
-                    </a:p>
-                  </a:txBody>
-                  <a:tcPr anchor="ctr"/>
-                </a:tc>
                 <a:extLst>
                   <a:ext uri="{0D108BD9-81ED-4DB2-BD59-A6C34878D82A}">
                     <a16:rowId xmlns:a16="http://schemas.microsoft.com/office/drawing/2014/main" val="3441328149"/>
@@ -11566,14 +12149,17 @@
                     <a:p>
                       <a:pPr algn="l" fontAlgn="t"/>
                       <a:r>
-                        <a:rPr lang="en-US" sz="1200" b="1" dirty="0">
+                        <a:rPr lang="en-US" sz="1600" b="0" i="0" kern="1200" dirty="0">
+                          <a:solidFill>
+                            <a:srgbClr val="323130"/>
+                          </a:solidFill>
                           <a:effectLst/>
+                          <a:latin typeface="Segoe UI" panose="020B0502040204020203" pitchFamily="34" charset="0"/>
+                          <a:ea typeface="+mn-ea"/>
+                          <a:cs typeface="+mn-cs"/>
                         </a:rPr>
-                        <a:t>GPT-4</a:t>
+                        <a:t>YOUR_ENDPOINT_NAME</a:t>
                       </a:r>
-                      <a:endParaRPr lang="en-US" sz="1200" dirty="0">
-                        <a:effectLst/>
-                      </a:endParaRPr>
                     </a:p>
                   </a:txBody>
                   <a:tcPr>
@@ -11602,38 +12188,16 @@
                     <a:p>
                       <a:pPr algn="l" fontAlgn="t"/>
                       <a:r>
-                        <a:rPr lang="en-US" sz="1200" dirty="0">
+                        <a:rPr lang="en-US" sz="1600" b="0" i="0" kern="1200" dirty="0">
+                          <a:solidFill>
+                            <a:srgbClr val="323130"/>
+                          </a:solidFill>
                           <a:effectLst/>
+                          <a:latin typeface="Segoe UI" panose="020B0502040204020203" pitchFamily="34" charset="0"/>
+                          <a:ea typeface="+mn-ea"/>
+                          <a:cs typeface="+mn-cs"/>
                         </a:rPr>
-                        <a:t>Models that generate natural language </a:t>
-                      </a:r>
-                      <a:r>
-                        <a:rPr lang="en-US" sz="1200" i="1" dirty="0">
-                          <a:effectLst/>
-                        </a:rPr>
-                        <a:t>and</a:t>
-                      </a:r>
-                      <a:r>
-                        <a:rPr lang="en-US" sz="1200" dirty="0">
-                          <a:effectLst/>
-                        </a:rPr>
-                        <a:t> code. These models are currently in preview. </a:t>
-                      </a:r>
-                    </a:p>
-                  </a:txBody>
-                  <a:tcPr/>
-                </a:tc>
-                <a:tc>
-                  <a:txBody>
-                    <a:bodyPr/>
-                    <a:lstStyle/>
-                    <a:p>
-                      <a:pPr algn="l" fontAlgn="t"/>
-                      <a:r>
-                        <a:rPr lang="en-US" sz="1200">
-                          <a:effectLst/>
-                        </a:rPr>
-                        <a:t>gpt-4, gpt-4-32k</a:t>
+                        <a:t>This base endpoint is found in the Keys &amp; Endpoint section in the Azure portal. It's the base endpoint of your resource, such as https://sample.openai.azure.com/.</a:t>
                       </a:r>
                     </a:p>
                   </a:txBody>
@@ -11653,14 +12217,17 @@
                     <a:p>
                       <a:pPr algn="l" fontAlgn="t"/>
                       <a:r>
-                        <a:rPr lang="en-US" sz="1200" b="1">
+                        <a:rPr lang="en-US" sz="1600" b="0" i="0" kern="1200">
+                          <a:solidFill>
+                            <a:srgbClr val="323130"/>
+                          </a:solidFill>
                           <a:effectLst/>
+                          <a:latin typeface="Segoe UI" panose="020B0502040204020203" pitchFamily="34" charset="0"/>
+                          <a:ea typeface="+mn-ea"/>
+                          <a:cs typeface="+mn-cs"/>
                         </a:rPr>
-                        <a:t>GPT-3</a:t>
+                        <a:t>YOUR_API_KEY</a:t>
                       </a:r>
-                      <a:endParaRPr lang="en-US" sz="1200">
-                        <a:effectLst/>
-                      </a:endParaRPr>
                     </a:p>
                   </a:txBody>
                   <a:tcPr>
@@ -11680,26 +12247,16 @@
                     <a:p>
                       <a:pPr algn="l" fontAlgn="t"/>
                       <a:r>
-                        <a:rPr lang="en-US" sz="1200" dirty="0">
+                        <a:rPr lang="en-US" sz="1600" b="0" i="0" kern="1200">
+                          <a:solidFill>
+                            <a:srgbClr val="323130"/>
+                          </a:solidFill>
                           <a:effectLst/>
+                          <a:latin typeface="Segoe UI" panose="020B0502040204020203" pitchFamily="34" charset="0"/>
+                          <a:ea typeface="+mn-ea"/>
+                          <a:cs typeface="+mn-cs"/>
                         </a:rPr>
-                        <a:t>Models that can understand and generate natural language.</a:t>
-                      </a:r>
-                    </a:p>
-                  </a:txBody>
-                  <a:tcPr/>
-                </a:tc>
-                <a:tc>
-                  <a:txBody>
-                    <a:bodyPr/>
-                    <a:lstStyle/>
-                    <a:p>
-                      <a:pPr algn="l" fontAlgn="t"/>
-                      <a:r>
-                        <a:rPr lang="en-US" sz="1200">
-                          <a:effectLst/>
-                        </a:rPr>
-                        <a:t>text-davinci-003, text-curie-001, text-babbage-001, text-ada-001, gpt-35-turbo</a:t>
+                        <a:t>Keys are found in the Keys &amp; Endpoint section in the Azure portal. You can use either key for your resource.</a:t>
                       </a:r>
                     </a:p>
                   </a:txBody>
@@ -11719,14 +12276,17 @@
                     <a:p>
                       <a:pPr algn="l" fontAlgn="t"/>
                       <a:r>
-                        <a:rPr lang="en-US" sz="1200" b="1">
+                        <a:rPr lang="en-US" sz="1600" b="0" i="0" kern="1200">
+                          <a:solidFill>
+                            <a:srgbClr val="323130"/>
+                          </a:solidFill>
                           <a:effectLst/>
+                          <a:latin typeface="Segoe UI" panose="020B0502040204020203" pitchFamily="34" charset="0"/>
+                          <a:ea typeface="+mn-ea"/>
+                          <a:cs typeface="+mn-cs"/>
                         </a:rPr>
-                        <a:t>Codex</a:t>
+                        <a:t>YOUR_DEPLOYMENT_NAME</a:t>
                       </a:r>
-                      <a:endParaRPr lang="en-US" sz="1200">
-                        <a:effectLst/>
-                      </a:endParaRPr>
                     </a:p>
                   </a:txBody>
                   <a:tcPr>
@@ -11746,26 +12306,40 @@
                     <a:p>
                       <a:pPr algn="l" fontAlgn="t"/>
                       <a:r>
-                        <a:rPr lang="en-US" sz="1200">
+                        <a:rPr lang="en-US" sz="1600" b="0" i="0" kern="1200" dirty="0">
+                          <a:solidFill>
+                            <a:srgbClr val="323130"/>
+                          </a:solidFill>
                           <a:effectLst/>
+                          <a:latin typeface="Segoe UI" panose="020B0502040204020203" pitchFamily="34" charset="0"/>
+                          <a:ea typeface="+mn-ea"/>
+                          <a:cs typeface="+mn-cs"/>
                         </a:rPr>
-                        <a:t>Models that can understand and generate code, including translating natural language to code.</a:t>
+                        <a:t>This deployment name is the name provided when you deployed your model in the Azure </a:t>
                       </a:r>
-                    </a:p>
-                  </a:txBody>
-                  <a:tcPr/>
-                </a:tc>
-                <a:tc>
-                  <a:txBody>
-                    <a:bodyPr/>
-                    <a:lstStyle/>
-                    <a:p>
-                      <a:pPr algn="l" fontAlgn="t"/>
                       <a:r>
-                        <a:rPr lang="en-US" sz="1200">
+                        <a:rPr lang="en-US" sz="1600" b="0" i="0" kern="1200" dirty="0" err="1">
+                          <a:solidFill>
+                            <a:srgbClr val="323130"/>
+                          </a:solidFill>
                           <a:effectLst/>
+                          <a:latin typeface="Segoe UI" panose="020B0502040204020203" pitchFamily="34" charset="0"/>
+                          <a:ea typeface="+mn-ea"/>
+                          <a:cs typeface="+mn-cs"/>
                         </a:rPr>
-                        <a:t>code-davinci-002, code-cushman-001</a:t>
+                        <a:t>OpenAI</a:t>
+                      </a:r>
+                      <a:r>
+                        <a:rPr lang="en-US" sz="1600" b="0" i="0" kern="1200" dirty="0">
+                          <a:solidFill>
+                            <a:srgbClr val="323130"/>
+                          </a:solidFill>
+                          <a:effectLst/>
+                          <a:latin typeface="Segoe UI" panose="020B0502040204020203" pitchFamily="34" charset="0"/>
+                          <a:ea typeface="+mn-ea"/>
+                          <a:cs typeface="+mn-cs"/>
+                        </a:rPr>
+                        <a:t> Studio.</a:t>
                       </a:r>
                     </a:p>
                   </a:txBody>
@@ -11777,69 +12351,6 @@
                   </a:ext>
                 </a:extLst>
               </a:tr>
-              <a:tr h="714194">
-                <a:tc>
-                  <a:txBody>
-                    <a:bodyPr/>
-                    <a:lstStyle/>
-                    <a:p>
-                      <a:pPr algn="l" fontAlgn="t"/>
-                      <a:r>
-                        <a:rPr lang="en-US" sz="1200" b="1">
-                          <a:effectLst/>
-                        </a:rPr>
-                        <a:t>Embeddings</a:t>
-                      </a:r>
-                      <a:endParaRPr lang="en-US" sz="1200">
-                        <a:effectLst/>
-                      </a:endParaRPr>
-                    </a:p>
-                  </a:txBody>
-                  <a:tcPr>
-                    <a:lnL w="12700" cap="flat" cmpd="sng" algn="ctr">
-                      <a:noFill/>
-                      <a:prstDash val="solid"/>
-                      <a:round/>
-                      <a:headEnd type="none" w="med" len="med"/>
-                      <a:tailEnd type="none" w="med" len="med"/>
-                    </a:lnL>
-                  </a:tcPr>
-                </a:tc>
-                <a:tc>
-                  <a:txBody>
-                    <a:bodyPr/>
-                    <a:lstStyle/>
-                    <a:p>
-                      <a:pPr algn="l" fontAlgn="t"/>
-                      <a:r>
-                        <a:rPr lang="en-US" sz="1200" dirty="0">
-                          <a:effectLst/>
-                        </a:rPr>
-                        <a:t>Embeddings are further broken down into three families of models for different functionalities: similarity, text search, and code search.</a:t>
-                      </a:r>
-                    </a:p>
-                  </a:txBody>
-                  <a:tcPr/>
-                </a:tc>
-                <a:tc>
-                  <a:txBody>
-                    <a:bodyPr/>
-                    <a:lstStyle/>
-                    <a:p>
-                      <a:pPr algn="l" fontAlgn="t"/>
-                      <a:endParaRPr lang="en-US" sz="1200" dirty="0">
-                        <a:effectLst/>
-                      </a:endParaRPr>
-                    </a:p>
-                  </a:txBody>
-                  <a:tcPr/>
-                </a:tc>
-                <a:extLst>
-                  <a:ext uri="{0D108BD9-81ED-4DB2-BD59-A6C34878D82A}">
-                    <a16:rowId xmlns:a16="http://schemas.microsoft.com/office/drawing/2014/main" val="3388671141"/>
-                  </a:ext>
-                </a:extLst>
-              </a:tr>
             </a:tbl>
           </a:graphicData>
         </a:graphic>
@@ -11873,7 +12384,7 @@
             <a:fld id="{A49DFD55-3C28-40EF-9E31-A92D2E4017FF}" type="slidenum">
               <a:rPr lang="en-US" smtClean="0"/>
               <a:pPr/>
-              <a:t>12</a:t>
+              <a:t>13</a:t>
             </a:fld>
             <a:endParaRPr lang="en-US" dirty="0"/>
           </a:p>
@@ -11892,7 +12403,7 @@
 </p:sld>
 </file>
 
-<file path=ppt/slides/slide13.xml><?xml version="1.0" encoding="utf-8"?>
+<file path=ppt/slides/slide14.xml><?xml version="1.0" encoding="utf-8"?>
 <p:sld xmlns:a="http://schemas.openxmlformats.org/drawingml/2006/main" xmlns:r="http://schemas.openxmlformats.org/officeDocument/2006/relationships" xmlns:p="http://schemas.openxmlformats.org/presentationml/2006/main">
   <p:cSld>
     <p:spTree>
@@ -12070,7 +12581,7 @@
             <a:fld id="{A49DFD55-3C28-40EF-9E31-A92D2E4017FF}" type="slidenum">
               <a:rPr lang="en-US" smtClean="0"/>
               <a:pPr/>
-              <a:t>13</a:t>
+              <a:t>14</a:t>
             </a:fld>
             <a:endParaRPr lang="en-US" dirty="0"/>
           </a:p>
@@ -12093,7 +12604,7 @@
         <p:spPr>
           <a:xfrm>
             <a:off x="1601360" y="1944834"/>
-            <a:ext cx="9571416" cy="3708664"/>
+            <a:ext cx="9571416" cy="4303566"/>
           </a:xfrm>
           <a:prstGeom prst="rect">
             <a:avLst/>
@@ -12357,7 +12868,7 @@
                 <a:effectLst/>
                 <a:latin typeface="segoe-ui_light"/>
               </a:rPr>
-              <a:t>Explore a model in the Completions playground</a:t>
+              <a:t>Create a new project</a:t>
             </a:r>
           </a:p>
           <a:p>
@@ -12386,7 +12897,7 @@
                 <a:effectLst/>
                 <a:latin typeface="segoe-ui_light"/>
               </a:rPr>
-              <a:t>Use a model to classify text</a:t>
+              <a:t>Install libraries</a:t>
             </a:r>
           </a:p>
           <a:p>
@@ -12415,9 +12926,74 @@
                 <a:effectLst/>
                 <a:latin typeface="segoe-ui_light"/>
               </a:rPr>
-              <a:t>Explore code-generation</a:t>
-            </a:r>
-            <a:endParaRPr lang="en-US" b="1" dirty="0"/>
+              <a:t>Configure app to access Azure </a:t>
+            </a:r>
+            <a:r>
+              <a:rPr lang="en-US" b="0" i="0" dirty="0" err="1">
+                <a:solidFill>
+                  <a:srgbClr val="222222"/>
+                </a:solidFill>
+                <a:effectLst/>
+                <a:latin typeface="segoe-ui_light"/>
+              </a:rPr>
+              <a:t>OpenAI</a:t>
+            </a:r>
+            <a:r>
+              <a:rPr lang="en-US" b="0" i="0" dirty="0">
+                <a:solidFill>
+                  <a:srgbClr val="222222"/>
+                </a:solidFill>
+                <a:effectLst/>
+                <a:latin typeface="segoe-ui_light"/>
+              </a:rPr>
+              <a:t> resource</a:t>
+            </a:r>
+          </a:p>
+          <a:p>
+            <a:pPr marL="342900" indent="-342900" algn="just">
+              <a:buFont typeface="Arial" panose="020B0604020202020204" pitchFamily="34" charset="0"/>
+              <a:buChar char="•"/>
+            </a:pPr>
+            <a:endParaRPr lang="en-US" b="0" i="0" dirty="0">
+              <a:solidFill>
+                <a:srgbClr val="222222"/>
+              </a:solidFill>
+              <a:effectLst/>
+              <a:latin typeface="segoe-ui_light"/>
+            </a:endParaRPr>
+          </a:p>
+          <a:p>
+            <a:pPr marL="342900" indent="-342900" algn="just">
+              <a:buFont typeface="Arial" panose="020B0604020202020204" pitchFamily="34" charset="0"/>
+              <a:buChar char="•"/>
+            </a:pPr>
+            <a:r>
+              <a:rPr lang="en-US" dirty="0">
+                <a:solidFill>
+                  <a:srgbClr val="222222"/>
+                </a:solidFill>
+                <a:latin typeface="segoe-ui_light"/>
+              </a:rPr>
+              <a:t>Call Azure </a:t>
+            </a:r>
+            <a:r>
+              <a:rPr lang="en-US" dirty="0" err="1">
+                <a:solidFill>
+                  <a:srgbClr val="222222"/>
+                </a:solidFill>
+                <a:latin typeface="segoe-ui_light"/>
+              </a:rPr>
+              <a:t>OpenAI</a:t>
+            </a:r>
+            <a:r>
+              <a:rPr lang="en-US" dirty="0">
+                <a:solidFill>
+                  <a:srgbClr val="222222"/>
+                </a:solidFill>
+                <a:latin typeface="segoe-ui_light"/>
+              </a:rPr>
+              <a:t> resource</a:t>
+            </a:r>
           </a:p>
         </p:txBody>
       </p:sp>
@@ -12434,7 +13010,7 @@
 </p:sld>
 </file>
 
-<file path=ppt/slides/slide14.xml><?xml version="1.0" encoding="utf-8"?>
+<file path=ppt/slides/slide15.xml><?xml version="1.0" encoding="utf-8"?>
 <p:sld xmlns:a="http://schemas.openxmlformats.org/drawingml/2006/main" xmlns:r="http://schemas.openxmlformats.org/officeDocument/2006/relationships" xmlns:p="http://schemas.openxmlformats.org/presentationml/2006/main">
   <p:cSld>
     <p:spTree>
@@ -12569,7 +13145,7 @@
 </p:sld>
 </file>
 
-<file path=ppt/slides/slide15.xml><?xml version="1.0" encoding="utf-8"?>
+<file path=ppt/slides/slide16.xml><?xml version="1.0" encoding="utf-8"?>
 <p:sld xmlns:a="http://schemas.openxmlformats.org/drawingml/2006/main" xmlns:r="http://schemas.openxmlformats.org/officeDocument/2006/relationships" xmlns:p="http://schemas.openxmlformats.org/presentationml/2006/main">
   <p:cSld>
     <p:spTree>
@@ -12602,6 +13178,11 @@
             <p:custDataLst>
               <p:tags r:id="rId1"/>
             </p:custDataLst>
+            <p:extLst>
+              <p:ext uri="{D42A27DB-BD31-4B8C-83A1-F6EECF244321}">
+                <p14:modId xmlns:p14="http://schemas.microsoft.com/office/powerpoint/2010/main" val="2101499983"/>
+              </p:ext>
+            </p:extLst>
           </p:nvPr>
         </p:nvGraphicFramePr>
         <p:xfrm>
@@ -12680,36 +13261,9 @@
           <a:lstStyle/>
           <a:p>
             <a:r>
-              <a:rPr lang="en-US" b="0" i="0" dirty="0">
-                <a:solidFill>
-                  <a:srgbClr val="161616"/>
-                </a:solidFill>
-                <a:effectLst/>
-                <a:latin typeface="Segoe UI" panose="020B0502040204020203" pitchFamily="34" charset="0"/>
-              </a:rPr>
-              <a:t>Azure </a:t>
-            </a:r>
-            <a:r>
-              <a:rPr lang="en-US" b="0" i="0" dirty="0" err="1">
-                <a:solidFill>
-                  <a:srgbClr val="161616"/>
-                </a:solidFill>
-                <a:effectLst/>
-                <a:latin typeface="Segoe UI" panose="020B0502040204020203" pitchFamily="34" charset="0"/>
-              </a:rPr>
-              <a:t>OpenAI</a:t>
-            </a:r>
-            <a:r>
-              <a:rPr lang="en-US" b="0" i="0" dirty="0">
-                <a:solidFill>
-                  <a:srgbClr val="161616"/>
-                </a:solidFill>
-                <a:effectLst/>
-                <a:latin typeface="Segoe UI" panose="020B0502040204020203" pitchFamily="34" charset="0"/>
-              </a:rPr>
-              <a:t> Service brings generative AI models to the Azure platform</a:t>
-            </a:r>
-            <a:endParaRPr lang="en-US" dirty="0"/>
+              <a:rPr lang="en-US" dirty="0"/>
+              <a:t>Understanding Prompt Engineering</a:t>
+            </a:r>
           </a:p>
         </p:txBody>
       </p:sp>
@@ -12991,7 +13545,7 @@
             <a:fld id="{A49DFD55-3C28-40EF-9E31-A92D2E4017FF}" type="slidenum">
               <a:rPr lang="en-US" smtClean="0"/>
               <a:pPr/>
-              <a:t>15</a:t>
+              <a:t>16</a:t>
             </a:fld>
             <a:endParaRPr lang="en-US" dirty="0"/>
           </a:p>
@@ -13246,7 +13800,7 @@
 </p:sld>
 </file>
 
-<file path=ppt/slides/slide16.xml><?xml version="1.0" encoding="utf-8"?>
+<file path=ppt/slides/slide17.xml><?xml version="1.0" encoding="utf-8"?>
 <p:sld xmlns:a="http://schemas.openxmlformats.org/drawingml/2006/main" xmlns:r="http://schemas.openxmlformats.org/officeDocument/2006/relationships" xmlns:p="http://schemas.openxmlformats.org/presentationml/2006/main">
   <p:cSld>
     <p:spTree>
@@ -13279,6 +13833,11 @@
             <p:custDataLst>
               <p:tags r:id="rId1"/>
             </p:custDataLst>
+            <p:extLst>
+              <p:ext uri="{D42A27DB-BD31-4B8C-83A1-F6EECF244321}">
+                <p14:modId xmlns:p14="http://schemas.microsoft.com/office/powerpoint/2010/main" val="3329026416"/>
+              </p:ext>
+            </p:extLst>
           </p:nvPr>
         </p:nvGraphicFramePr>
         <p:xfrm>
@@ -13357,36 +13916,9 @@
           <a:lstStyle/>
           <a:p>
             <a:r>
-              <a:rPr lang="en-US" b="0" i="0" dirty="0">
-                <a:solidFill>
-                  <a:srgbClr val="161616"/>
-                </a:solidFill>
-                <a:effectLst/>
-                <a:latin typeface="Segoe UI" panose="020B0502040204020203" pitchFamily="34" charset="0"/>
-              </a:rPr>
-              <a:t>Azure </a:t>
-            </a:r>
-            <a:r>
-              <a:rPr lang="en-US" b="0" i="0" dirty="0" err="1">
-                <a:solidFill>
-                  <a:srgbClr val="161616"/>
-                </a:solidFill>
-                <a:effectLst/>
-                <a:latin typeface="Segoe UI" panose="020B0502040204020203" pitchFamily="34" charset="0"/>
-              </a:rPr>
-              <a:t>OpenAI</a:t>
-            </a:r>
-            <a:r>
-              <a:rPr lang="en-US" b="0" i="0" dirty="0">
-                <a:solidFill>
-                  <a:srgbClr val="161616"/>
-                </a:solidFill>
-                <a:effectLst/>
-                <a:latin typeface="Segoe UI" panose="020B0502040204020203" pitchFamily="34" charset="0"/>
-              </a:rPr>
-              <a:t> Service</a:t>
-            </a:r>
-            <a:endParaRPr lang="en-US" dirty="0"/>
+              <a:rPr lang="en-US" dirty="0"/>
+              <a:t>How to write more effective prompts?</a:t>
+            </a:r>
           </a:p>
         </p:txBody>
       </p:sp>
@@ -13419,7 +13951,7 @@
             <a:fld id="{A49DFD55-3C28-40EF-9E31-A92D2E4017FF}" type="slidenum">
               <a:rPr lang="en-US" smtClean="0"/>
               <a:pPr/>
-              <a:t>16</a:t>
+              <a:t>17</a:t>
             </a:fld>
             <a:endParaRPr lang="en-US" dirty="0"/>
           </a:p>
@@ -13793,638 +14325,6 @@
     <p:extLst>
       <p:ext uri="{BB962C8B-B14F-4D97-AF65-F5344CB8AC3E}">
         <p14:creationId xmlns:p14="http://schemas.microsoft.com/office/powerpoint/2010/main" val="3848092310"/>
-      </p:ext>
-    </p:extLst>
-  </p:cSld>
-  <p:clrMapOvr>
-    <a:masterClrMapping/>
-  </p:clrMapOvr>
-</p:sld>
-</file>
-
-<file path=ppt/slides/slide17.xml><?xml version="1.0" encoding="utf-8"?>
-<p:sld xmlns:a="http://schemas.openxmlformats.org/drawingml/2006/main" xmlns:r="http://schemas.openxmlformats.org/officeDocument/2006/relationships" xmlns:p="http://schemas.openxmlformats.org/presentationml/2006/main">
-  <p:cSld>
-    <p:spTree>
-      <p:nvGrpSpPr>
-        <p:cNvPr id="1" name=""/>
-        <p:cNvGrpSpPr/>
-        <p:nvPr/>
-      </p:nvGrpSpPr>
-      <p:grpSpPr>
-        <a:xfrm>
-          <a:off x="0" y="0"/>
-          <a:ext cx="0" cy="0"/>
-          <a:chOff x="0" y="0"/>
-          <a:chExt cx="0" cy="0"/>
-        </a:xfrm>
-      </p:grpSpPr>
-      <p:graphicFrame>
-        <p:nvGraphicFramePr>
-          <p:cNvPr id="5" name="Object 4" hidden="1">
-            <a:extLst>
-              <a:ext uri="{FF2B5EF4-FFF2-40B4-BE49-F238E27FC236}">
-                <a16:creationId xmlns:a16="http://schemas.microsoft.com/office/drawing/2014/main" id="{CD6FC67A-C919-80F8-52C9-D4DDDBFF7843}"/>
-              </a:ext>
-            </a:extLst>
-          </p:cNvPr>
-          <p:cNvGraphicFramePr>
-            <a:graphicFrameLocks noChangeAspect="1"/>
-          </p:cNvGraphicFramePr>
-          <p:nvPr>
-            <p:custDataLst>
-              <p:tags r:id="rId1"/>
-            </p:custDataLst>
-          </p:nvPr>
-        </p:nvGraphicFramePr>
-        <p:xfrm>
-          <a:off x="1588" y="1588"/>
-          <a:ext cx="1588" cy="1588"/>
-        </p:xfrm>
-        <a:graphic>
-          <a:graphicData uri="http://schemas.openxmlformats.org/presentationml/2006/ole">
-            <mc:AlternateContent xmlns:mc="http://schemas.openxmlformats.org/markup-compatibility/2006">
-              <mc:Choice xmlns:v="urn:schemas-microsoft-com:vml" Requires="v">
-                <p:oleObj name="think-cell Slide" r:id="rId3" imgW="487" imgH="488" progId="TCLayout.ActiveDocument.1">
-                  <p:embed/>
-                </p:oleObj>
-              </mc:Choice>
-              <mc:Fallback>
-                <p:oleObj name="think-cell Slide" r:id="rId3" imgW="487" imgH="488" progId="TCLayout.ActiveDocument.1">
-                  <p:embed/>
-                  <p:pic>
-                    <p:nvPicPr>
-                      <p:cNvPr id="5" name="Object 4" hidden="1">
-                        <a:extLst>
-                          <a:ext uri="{FF2B5EF4-FFF2-40B4-BE49-F238E27FC236}">
-                            <a16:creationId xmlns:a16="http://schemas.microsoft.com/office/drawing/2014/main" id="{CD6FC67A-C919-80F8-52C9-D4DDDBFF7843}"/>
-                          </a:ext>
-                        </a:extLst>
-                      </p:cNvPr>
-                      <p:cNvPicPr/>
-                      <p:nvPr/>
-                    </p:nvPicPr>
-                    <p:blipFill>
-                      <a:blip r:embed="rId4"/>
-                      <a:stretch>
-                        <a:fillRect/>
-                      </a:stretch>
-                    </p:blipFill>
-                    <p:spPr>
-                      <a:xfrm>
-                        <a:off x="1588" y="1588"/>
-                        <a:ext cx="1588" cy="1588"/>
-                      </a:xfrm>
-                      <a:prstGeom prst="rect">
-                        <a:avLst/>
-                      </a:prstGeom>
-                    </p:spPr>
-                  </p:pic>
-                </p:oleObj>
-              </mc:Fallback>
-            </mc:AlternateContent>
-          </a:graphicData>
-        </a:graphic>
-      </p:graphicFrame>
-      <p:sp>
-        <p:nvSpPr>
-          <p:cNvPr id="3" name="Title 2">
-            <a:extLst>
-              <a:ext uri="{FF2B5EF4-FFF2-40B4-BE49-F238E27FC236}">
-                <a16:creationId xmlns:a16="http://schemas.microsoft.com/office/drawing/2014/main" id="{3E5FEE2D-79E5-4C1D-8BF7-EE619CA7039A}"/>
-              </a:ext>
-            </a:extLst>
-          </p:cNvPr>
-          <p:cNvSpPr>
-            <a:spLocks noGrp="1"/>
-          </p:cNvSpPr>
-          <p:nvPr>
-            <p:ph type="title"/>
-          </p:nvPr>
-        </p:nvSpPr>
-        <p:spPr>
-          <a:xfrm>
-            <a:off x="838200" y="365125"/>
-            <a:ext cx="10515600" cy="1325563"/>
-          </a:xfrm>
-        </p:spPr>
-        <p:txBody>
-          <a:bodyPr vert="horz"/>
-          <a:lstStyle/>
-          <a:p>
-            <a:r>
-              <a:rPr lang="en-US" dirty="0"/>
-              <a:t>Types of generative AI models</a:t>
-            </a:r>
-          </a:p>
-        </p:txBody>
-      </p:sp>
-      <p:graphicFrame>
-        <p:nvGraphicFramePr>
-          <p:cNvPr id="4" name="Table 4">
-            <a:extLst>
-              <a:ext uri="{FF2B5EF4-FFF2-40B4-BE49-F238E27FC236}">
-                <a16:creationId xmlns:a16="http://schemas.microsoft.com/office/drawing/2014/main" id="{390E7E75-E57A-4FF0-A0E4-A4DBCF6EA89A}"/>
-              </a:ext>
-            </a:extLst>
-          </p:cNvPr>
-          <p:cNvGraphicFramePr>
-            <a:graphicFrameLocks noGrp="1"/>
-          </p:cNvGraphicFramePr>
-          <p:nvPr>
-            <p:ph type="tbl" sz="quarter" idx="14"/>
-          </p:nvPr>
-        </p:nvGraphicFramePr>
-        <p:xfrm>
-          <a:off x="838199" y="2111375"/>
-          <a:ext cx="10640538" cy="3570970"/>
-        </p:xfrm>
-        <a:graphic>
-          <a:graphicData uri="http://schemas.openxmlformats.org/drawingml/2006/table">
-            <a:tbl>
-              <a:tblPr firstRow="1" bandRow="1">
-                <a:tableStyleId>{7E9639D4-E3E2-4D34-9284-5A2195B3D0D7}</a:tableStyleId>
-              </a:tblPr>
-              <a:tblGrid>
-                <a:gridCol w="2296500">
-                  <a:extLst>
-                    <a:ext uri="{9D8B030D-6E8A-4147-A177-3AD203B41FA5}">
-                      <a16:colId xmlns:a16="http://schemas.microsoft.com/office/drawing/2014/main" val="3261104555"/>
-                    </a:ext>
-                  </a:extLst>
-                </a:gridCol>
-                <a:gridCol w="5846844">
-                  <a:extLst>
-                    <a:ext uri="{9D8B030D-6E8A-4147-A177-3AD203B41FA5}">
-                      <a16:colId xmlns:a16="http://schemas.microsoft.com/office/drawing/2014/main" val="2547279344"/>
-                    </a:ext>
-                  </a:extLst>
-                </a:gridCol>
-                <a:gridCol w="2497194">
-                  <a:extLst>
-                    <a:ext uri="{9D8B030D-6E8A-4147-A177-3AD203B41FA5}">
-                      <a16:colId xmlns:a16="http://schemas.microsoft.com/office/drawing/2014/main" val="2366228292"/>
-                    </a:ext>
-                  </a:extLst>
-                </a:gridCol>
-              </a:tblGrid>
-              <a:tr h="714194">
-                <a:tc>
-                  <a:txBody>
-                    <a:bodyPr/>
-                    <a:lstStyle/>
-                    <a:p>
-                      <a:pPr algn="l" rtl="0" fontAlgn="auto"/>
-                      <a:r>
-                        <a:rPr lang="en-US" sz="1600" b="1" i="0" dirty="0">
-                          <a:solidFill>
-                            <a:srgbClr val="FFFFFF"/>
-                          </a:solidFill>
-                          <a:effectLst/>
-                          <a:latin typeface="+mn-lt"/>
-                        </a:rPr>
-                        <a:t>​Family</a:t>
-                      </a:r>
-                    </a:p>
-                  </a:txBody>
-                  <a:tcPr anchor="ctr">
-                    <a:lnL w="12700" cap="flat" cmpd="sng" algn="ctr">
-                      <a:solidFill>
-                        <a:schemeClr val="tx1"/>
-                      </a:solidFill>
-                      <a:prstDash val="solid"/>
-                      <a:round/>
-                      <a:headEnd type="none" w="med" len="med"/>
-                      <a:tailEnd type="none" w="med" len="med"/>
-                    </a:lnL>
-                    <a:lnR w="12700" cap="flat" cmpd="sng" algn="ctr">
-                      <a:solidFill>
-                        <a:schemeClr val="tx1"/>
-                      </a:solidFill>
-                      <a:prstDash val="solid"/>
-                      <a:round/>
-                      <a:headEnd type="none" w="med" len="med"/>
-                      <a:tailEnd type="none" w="med" len="med"/>
-                    </a:lnR>
-                    <a:lnT w="12700" cap="flat" cmpd="sng" algn="ctr">
-                      <a:solidFill>
-                        <a:schemeClr val="tx1"/>
-                      </a:solidFill>
-                      <a:prstDash val="solid"/>
-                      <a:round/>
-                      <a:headEnd type="none" w="med" len="med"/>
-                      <a:tailEnd type="none" w="med" len="med"/>
-                    </a:lnT>
-                    <a:lnB w="12700" cap="flat" cmpd="sng" algn="ctr">
-                      <a:solidFill>
-                        <a:schemeClr val="tx1"/>
-                      </a:solidFill>
-                      <a:prstDash val="solid"/>
-                      <a:round/>
-                      <a:headEnd type="none" w="med" len="med"/>
-                      <a:tailEnd type="none" w="med" len="med"/>
-                    </a:lnB>
-                  </a:tcPr>
-                </a:tc>
-                <a:tc>
-                  <a:txBody>
-                    <a:bodyPr/>
-                    <a:lstStyle/>
-                    <a:p>
-                      <a:pPr algn="l" rtl="0" fontAlgn="base"/>
-                      <a:r>
-                        <a:rPr lang="en-US" sz="1800" b="1" i="0" kern="1200" dirty="0">
-                          <a:solidFill>
-                            <a:schemeClr val="bg1"/>
-                          </a:solidFill>
-                          <a:effectLst/>
-                          <a:latin typeface="+mn-lt"/>
-                          <a:ea typeface="+mn-ea"/>
-                          <a:cs typeface="+mn-cs"/>
-                        </a:rPr>
-                        <a:t>Description</a:t>
-                      </a:r>
-                      <a:endParaRPr lang="en-US" sz="1600" b="1" i="0" dirty="0">
-                        <a:solidFill>
-                          <a:schemeClr val="accent1"/>
-                        </a:solidFill>
-                        <a:effectLst/>
-                        <a:latin typeface="+mn-lt"/>
-                      </a:endParaRPr>
-                    </a:p>
-                  </a:txBody>
-                  <a:tcPr anchor="ctr">
-                    <a:lnL w="12700" cap="flat" cmpd="sng" algn="ctr">
-                      <a:solidFill>
-                        <a:schemeClr val="tx1"/>
-                      </a:solidFill>
-                      <a:prstDash val="solid"/>
-                      <a:round/>
-                      <a:headEnd type="none" w="med" len="med"/>
-                      <a:tailEnd type="none" w="med" len="med"/>
-                    </a:lnL>
-                  </a:tcPr>
-                </a:tc>
-                <a:tc>
-                  <a:txBody>
-                    <a:bodyPr/>
-                    <a:lstStyle/>
-                    <a:p>
-                      <a:pPr algn="l" rtl="0" fontAlgn="base"/>
-                      <a:r>
-                        <a:rPr lang="en-US" sz="1800" b="1" i="0" kern="1200" dirty="0">
-                          <a:solidFill>
-                            <a:schemeClr val="bg1"/>
-                          </a:solidFill>
-                          <a:effectLst/>
-                          <a:latin typeface="+mn-lt"/>
-                          <a:ea typeface="+mn-ea"/>
-                          <a:cs typeface="+mn-cs"/>
-                        </a:rPr>
-                        <a:t>Base models within the Family</a:t>
-                      </a:r>
-                      <a:endParaRPr lang="en-US" sz="1600" b="1" i="0" dirty="0">
-                        <a:solidFill>
-                          <a:schemeClr val="accent1"/>
-                        </a:solidFill>
-                        <a:effectLst/>
-                        <a:latin typeface="+mn-lt"/>
-                      </a:endParaRPr>
-                    </a:p>
-                  </a:txBody>
-                  <a:tcPr anchor="ctr"/>
-                </a:tc>
-                <a:extLst>
-                  <a:ext uri="{0D108BD9-81ED-4DB2-BD59-A6C34878D82A}">
-                    <a16:rowId xmlns:a16="http://schemas.microsoft.com/office/drawing/2014/main" val="3441328149"/>
-                  </a:ext>
-                </a:extLst>
-              </a:tr>
-              <a:tr h="714194">
-                <a:tc>
-                  <a:txBody>
-                    <a:bodyPr/>
-                    <a:lstStyle/>
-                    <a:p>
-                      <a:pPr algn="l" fontAlgn="t"/>
-                      <a:r>
-                        <a:rPr lang="en-US" sz="1200" b="1" dirty="0">
-                          <a:effectLst/>
-                        </a:rPr>
-                        <a:t>GPT-4</a:t>
-                      </a:r>
-                      <a:endParaRPr lang="en-US" sz="1200" dirty="0">
-                        <a:effectLst/>
-                      </a:endParaRPr>
-                    </a:p>
-                  </a:txBody>
-                  <a:tcPr>
-                    <a:lnL w="12700" cap="flat" cmpd="sng" algn="ctr">
-                      <a:noFill/>
-                      <a:prstDash val="solid"/>
-                      <a:round/>
-                      <a:headEnd type="none" w="med" len="med"/>
-                      <a:tailEnd type="none" w="med" len="med"/>
-                    </a:lnL>
-                    <a:lnT w="12700" cap="flat" cmpd="sng" algn="ctr">
-                      <a:solidFill>
-                        <a:schemeClr val="tx1"/>
-                      </a:solidFill>
-                      <a:prstDash val="solid"/>
-                      <a:round/>
-                      <a:headEnd type="none" w="med" len="med"/>
-                      <a:tailEnd type="none" w="med" len="med"/>
-                    </a:lnT>
-                  </a:tcPr>
-                </a:tc>
-                <a:tc>
-                  <a:txBody>
-                    <a:bodyPr/>
-                    <a:lstStyle/>
-                    <a:p>
-                      <a:pPr algn="l" fontAlgn="t"/>
-                      <a:r>
-                        <a:rPr lang="en-US" sz="1200" dirty="0">
-                          <a:effectLst/>
-                        </a:rPr>
-                        <a:t>Models that generate natural language </a:t>
-                      </a:r>
-                      <a:r>
-                        <a:rPr lang="en-US" sz="1200" i="1" dirty="0">
-                          <a:effectLst/>
-                        </a:rPr>
-                        <a:t>and</a:t>
-                      </a:r>
-                      <a:r>
-                        <a:rPr lang="en-US" sz="1200" dirty="0">
-                          <a:effectLst/>
-                        </a:rPr>
-                        <a:t> code. These models are currently in preview. </a:t>
-                      </a:r>
-                    </a:p>
-                  </a:txBody>
-                  <a:tcPr/>
-                </a:tc>
-                <a:tc>
-                  <a:txBody>
-                    <a:bodyPr/>
-                    <a:lstStyle/>
-                    <a:p>
-                      <a:pPr algn="l" fontAlgn="t"/>
-                      <a:r>
-                        <a:rPr lang="en-US" sz="1200">
-                          <a:effectLst/>
-                        </a:rPr>
-                        <a:t>gpt-4, gpt-4-32k</a:t>
-                      </a:r>
-                    </a:p>
-                  </a:txBody>
-                  <a:tcPr/>
-                </a:tc>
-                <a:extLst>
-                  <a:ext uri="{0D108BD9-81ED-4DB2-BD59-A6C34878D82A}">
-                    <a16:rowId xmlns:a16="http://schemas.microsoft.com/office/drawing/2014/main" val="3134841754"/>
-                  </a:ext>
-                </a:extLst>
-              </a:tr>
-              <a:tr h="714194">
-                <a:tc>
-                  <a:txBody>
-                    <a:bodyPr/>
-                    <a:lstStyle/>
-                    <a:p>
-                      <a:pPr algn="l" fontAlgn="t"/>
-                      <a:r>
-                        <a:rPr lang="en-US" sz="1200" b="1">
-                          <a:effectLst/>
-                        </a:rPr>
-                        <a:t>GPT-3</a:t>
-                      </a:r>
-                      <a:endParaRPr lang="en-US" sz="1200">
-                        <a:effectLst/>
-                      </a:endParaRPr>
-                    </a:p>
-                  </a:txBody>
-                  <a:tcPr>
-                    <a:lnL w="12700" cap="flat" cmpd="sng" algn="ctr">
-                      <a:noFill/>
-                      <a:prstDash val="solid"/>
-                      <a:round/>
-                      <a:headEnd type="none" w="med" len="med"/>
-                      <a:tailEnd type="none" w="med" len="med"/>
-                    </a:lnL>
-                  </a:tcPr>
-                </a:tc>
-                <a:tc>
-                  <a:txBody>
-                    <a:bodyPr/>
-                    <a:lstStyle/>
-                    <a:p>
-                      <a:pPr algn="l" fontAlgn="t"/>
-                      <a:r>
-                        <a:rPr lang="en-US" sz="1200" dirty="0">
-                          <a:effectLst/>
-                        </a:rPr>
-                        <a:t>Models that can understand and generate natural language.</a:t>
-                      </a:r>
-                    </a:p>
-                  </a:txBody>
-                  <a:tcPr/>
-                </a:tc>
-                <a:tc>
-                  <a:txBody>
-                    <a:bodyPr/>
-                    <a:lstStyle/>
-                    <a:p>
-                      <a:pPr algn="l" fontAlgn="t"/>
-                      <a:r>
-                        <a:rPr lang="en-US" sz="1200">
-                          <a:effectLst/>
-                        </a:rPr>
-                        <a:t>text-davinci-003, text-curie-001, text-babbage-001, text-ada-001, gpt-35-turbo</a:t>
-                      </a:r>
-                    </a:p>
-                  </a:txBody>
-                  <a:tcPr/>
-                </a:tc>
-                <a:extLst>
-                  <a:ext uri="{0D108BD9-81ED-4DB2-BD59-A6C34878D82A}">
-                    <a16:rowId xmlns:a16="http://schemas.microsoft.com/office/drawing/2014/main" val="4129140390"/>
-                  </a:ext>
-                </a:extLst>
-              </a:tr>
-              <a:tr h="714194">
-                <a:tc>
-                  <a:txBody>
-                    <a:bodyPr/>
-                    <a:lstStyle/>
-                    <a:p>
-                      <a:pPr algn="l" fontAlgn="t"/>
-                      <a:r>
-                        <a:rPr lang="en-US" sz="1200" b="1">
-                          <a:effectLst/>
-                        </a:rPr>
-                        <a:t>Codex</a:t>
-                      </a:r>
-                      <a:endParaRPr lang="en-US" sz="1200">
-                        <a:effectLst/>
-                      </a:endParaRPr>
-                    </a:p>
-                  </a:txBody>
-                  <a:tcPr>
-                    <a:lnL w="12700" cap="flat" cmpd="sng" algn="ctr">
-                      <a:noFill/>
-                      <a:prstDash val="solid"/>
-                      <a:round/>
-                      <a:headEnd type="none" w="med" len="med"/>
-                      <a:tailEnd type="none" w="med" len="med"/>
-                    </a:lnL>
-                  </a:tcPr>
-                </a:tc>
-                <a:tc>
-                  <a:txBody>
-                    <a:bodyPr/>
-                    <a:lstStyle/>
-                    <a:p>
-                      <a:pPr algn="l" fontAlgn="t"/>
-                      <a:r>
-                        <a:rPr lang="en-US" sz="1200">
-                          <a:effectLst/>
-                        </a:rPr>
-                        <a:t>Models that can understand and generate code, including translating natural language to code.</a:t>
-                      </a:r>
-                    </a:p>
-                  </a:txBody>
-                  <a:tcPr/>
-                </a:tc>
-                <a:tc>
-                  <a:txBody>
-                    <a:bodyPr/>
-                    <a:lstStyle/>
-                    <a:p>
-                      <a:pPr algn="l" fontAlgn="t"/>
-                      <a:r>
-                        <a:rPr lang="en-US" sz="1200">
-                          <a:effectLst/>
-                        </a:rPr>
-                        <a:t>code-davinci-002, code-cushman-001</a:t>
-                      </a:r>
-                    </a:p>
-                  </a:txBody>
-                  <a:tcPr/>
-                </a:tc>
-                <a:extLst>
-                  <a:ext uri="{0D108BD9-81ED-4DB2-BD59-A6C34878D82A}">
-                    <a16:rowId xmlns:a16="http://schemas.microsoft.com/office/drawing/2014/main" val="1699990805"/>
-                  </a:ext>
-                </a:extLst>
-              </a:tr>
-              <a:tr h="714194">
-                <a:tc>
-                  <a:txBody>
-                    <a:bodyPr/>
-                    <a:lstStyle/>
-                    <a:p>
-                      <a:pPr algn="l" fontAlgn="t"/>
-                      <a:r>
-                        <a:rPr lang="en-US" sz="1200" b="1">
-                          <a:effectLst/>
-                        </a:rPr>
-                        <a:t>Embeddings</a:t>
-                      </a:r>
-                      <a:endParaRPr lang="en-US" sz="1200">
-                        <a:effectLst/>
-                      </a:endParaRPr>
-                    </a:p>
-                  </a:txBody>
-                  <a:tcPr>
-                    <a:lnL w="12700" cap="flat" cmpd="sng" algn="ctr">
-                      <a:noFill/>
-                      <a:prstDash val="solid"/>
-                      <a:round/>
-                      <a:headEnd type="none" w="med" len="med"/>
-                      <a:tailEnd type="none" w="med" len="med"/>
-                    </a:lnL>
-                  </a:tcPr>
-                </a:tc>
-                <a:tc>
-                  <a:txBody>
-                    <a:bodyPr/>
-                    <a:lstStyle/>
-                    <a:p>
-                      <a:pPr algn="l" fontAlgn="t"/>
-                      <a:r>
-                        <a:rPr lang="en-US" sz="1200" dirty="0">
-                          <a:effectLst/>
-                        </a:rPr>
-                        <a:t>Embeddings are further broken down into three families of models for different functionalities: similarity, text search, and code search.</a:t>
-                      </a:r>
-                    </a:p>
-                  </a:txBody>
-                  <a:tcPr/>
-                </a:tc>
-                <a:tc>
-                  <a:txBody>
-                    <a:bodyPr/>
-                    <a:lstStyle/>
-                    <a:p>
-                      <a:pPr algn="l" fontAlgn="t"/>
-                      <a:endParaRPr lang="en-US" sz="1200" dirty="0">
-                        <a:effectLst/>
-                      </a:endParaRPr>
-                    </a:p>
-                  </a:txBody>
-                  <a:tcPr/>
-                </a:tc>
-                <a:extLst>
-                  <a:ext uri="{0D108BD9-81ED-4DB2-BD59-A6C34878D82A}">
-                    <a16:rowId xmlns:a16="http://schemas.microsoft.com/office/drawing/2014/main" val="3388671141"/>
-                  </a:ext>
-                </a:extLst>
-              </a:tr>
-            </a:tbl>
-          </a:graphicData>
-        </a:graphic>
-      </p:graphicFrame>
-      <p:sp>
-        <p:nvSpPr>
-          <p:cNvPr id="9" name="Slide Number Placeholder 8">
-            <a:extLst>
-              <a:ext uri="{FF2B5EF4-FFF2-40B4-BE49-F238E27FC236}">
-                <a16:creationId xmlns:a16="http://schemas.microsoft.com/office/drawing/2014/main" id="{03091613-153A-4005-9F4D-2F185AE5F7BF}"/>
-              </a:ext>
-            </a:extLst>
-          </p:cNvPr>
-          <p:cNvSpPr>
-            <a:spLocks noGrp="1"/>
-          </p:cNvSpPr>
-          <p:nvPr>
-            <p:ph type="sldNum" sz="quarter" idx="12"/>
-          </p:nvPr>
-        </p:nvSpPr>
-        <p:spPr>
-          <a:xfrm>
-            <a:off x="8610600" y="6356350"/>
-            <a:ext cx="2743200" cy="365125"/>
-          </a:xfrm>
-        </p:spPr>
-        <p:txBody>
-          <a:bodyPr/>
-          <a:lstStyle/>
-          <a:p>
-            <a:fld id="{A49DFD55-3C28-40EF-9E31-A92D2E4017FF}" type="slidenum">
-              <a:rPr lang="en-US" smtClean="0"/>
-              <a:pPr/>
-              <a:t>17</a:t>
-            </a:fld>
-            <a:endParaRPr lang="en-US" dirty="0"/>
-          </a:p>
-        </p:txBody>
-      </p:sp>
-    </p:spTree>
-    <p:extLst>
-      <p:ext uri="{BB962C8B-B14F-4D97-AF65-F5344CB8AC3E}">
-        <p14:creationId xmlns:p14="http://schemas.microsoft.com/office/powerpoint/2010/main" val="2656843286"/>
       </p:ext>
     </p:extLst>
   </p:cSld>
@@ -14467,6 +14367,11 @@
             <p:custDataLst>
               <p:tags r:id="rId1"/>
             </p:custDataLst>
+            <p:extLst>
+              <p:ext uri="{D42A27DB-BD31-4B8C-83A1-F6EECF244321}">
+                <p14:modId xmlns:p14="http://schemas.microsoft.com/office/powerpoint/2010/main" val="1628355650"/>
+              </p:ext>
+            </p:extLst>
           </p:nvPr>
         </p:nvGraphicFramePr>
         <p:xfrm>
@@ -14552,27 +14457,7 @@
                 <a:effectLst/>
                 <a:latin typeface="Segoe UI" panose="020B0502040204020203" pitchFamily="34" charset="0"/>
               </a:rPr>
-              <a:t>Get Started with Azure </a:t>
-            </a:r>
-            <a:r>
-              <a:rPr lang="en-US" b="0" i="0" dirty="0" err="1">
-                <a:solidFill>
-                  <a:srgbClr val="161616"/>
-                </a:solidFill>
-                <a:effectLst/>
-                <a:latin typeface="Segoe UI" panose="020B0502040204020203" pitchFamily="34" charset="0"/>
-              </a:rPr>
-              <a:t>OpenAI</a:t>
-            </a:r>
-            <a:r>
-              <a:rPr lang="en-US" b="0" i="0" dirty="0">
-                <a:solidFill>
-                  <a:srgbClr val="161616"/>
-                </a:solidFill>
-                <a:effectLst/>
-                <a:latin typeface="Segoe UI" panose="020B0502040204020203" pitchFamily="34" charset="0"/>
-              </a:rPr>
-              <a:t> Service</a:t>
+              <a:t>Prompt engineering in your application</a:t>
             </a:r>
             <a:endParaRPr lang="en-US" dirty="0"/>
           </a:p>
@@ -14887,14 +14772,13 @@
               <a:buChar char="•"/>
             </a:pPr>
             <a:r>
-              <a:rPr lang="en-US" b="0" i="0" dirty="0">
+              <a:rPr lang="en-US" dirty="0">
                 <a:solidFill>
                   <a:srgbClr val="222222"/>
                 </a:solidFill>
-                <a:effectLst/>
                 <a:latin typeface="segoe-ui_light"/>
               </a:rPr>
-              <a:t>Explore a model in the Completions playground</a:t>
+              <a:t>Prompt engineering in chat playground</a:t>
             </a:r>
           </a:p>
           <a:p>
@@ -14916,15 +14800,21 @@
               <a:buChar char="•"/>
             </a:pPr>
             <a:r>
-              <a:rPr lang="en-US" b="0" i="0" dirty="0">
+              <a:rPr lang="en-US" dirty="0">
                 <a:solidFill>
                   <a:srgbClr val="222222"/>
                 </a:solidFill>
-                <a:effectLst/>
                 <a:latin typeface="segoe-ui_light"/>
               </a:rPr>
-              <a:t>Use a model to classify text</a:t>
-            </a:r>
+              <a:t>Prompt engineering using code</a:t>
+            </a:r>
+            <a:endParaRPr lang="en-US" b="0" i="0" dirty="0">
+              <a:solidFill>
+                <a:srgbClr val="222222"/>
+              </a:solidFill>
+              <a:effectLst/>
+              <a:latin typeface="segoe-ui_light"/>
+            </a:endParaRPr>
           </a:p>
           <a:p>
             <a:pPr marL="342900" indent="-342900" algn="just">
@@ -14938,23 +14828,6 @@
               <a:effectLst/>
               <a:latin typeface="segoe-ui_light"/>
             </a:endParaRPr>
-          </a:p>
-          <a:p>
-            <a:pPr marL="342900" indent="-342900" algn="just">
-              <a:buFont typeface="Arial" panose="020B0604020202020204" pitchFamily="34" charset="0"/>
-              <a:buChar char="•"/>
-            </a:pPr>
-            <a:r>
-              <a:rPr lang="en-US" b="0" i="0" dirty="0">
-                <a:solidFill>
-                  <a:srgbClr val="222222"/>
-                </a:solidFill>
-                <a:effectLst/>
-                <a:latin typeface="segoe-ui_light"/>
-              </a:rPr>
-              <a:t>Explore code-generation</a:t>
-            </a:r>
-            <a:endParaRPr lang="en-US" b="1" dirty="0"/>
           </a:p>
         </p:txBody>
       </p:sp>
@@ -15006,7 +14879,7 @@
             </p:custDataLst>
             <p:extLst>
               <p:ext uri="{D42A27DB-BD31-4B8C-83A1-F6EECF244321}">
-                <p14:modId xmlns:p14="http://schemas.microsoft.com/office/powerpoint/2010/main" val="262076909"/>
+                <p14:modId xmlns:p14="http://schemas.microsoft.com/office/powerpoint/2010/main" val="2681099688"/>
               </p:ext>
             </p:extLst>
           </p:nvPr>
@@ -15088,7 +14961,15 @@
           <a:p>
             <a:r>
               <a:rPr lang="en-US" dirty="0"/>
-              <a:t>Integrate Azure Open AI into your app</a:t>
+              <a:t>Integrate </a:t>
+            </a:r>
+            <a:r>
+              <a:rPr lang="en-US" dirty="0" err="1"/>
+              <a:t>ChatGPT</a:t>
+            </a:r>
+            <a:r>
+              <a:rPr lang="en-US" dirty="0"/>
+              <a:t> into your app</a:t>
             </a:r>
           </a:p>
         </p:txBody>
@@ -15210,7 +15091,15 @@
           <a:p>
             <a:r>
               <a:rPr lang="en-US" dirty="0"/>
-              <a:t>Integrate Azure Open AI into your app</a:t>
+              <a:t>Integrate </a:t>
+            </a:r>
+            <a:r>
+              <a:rPr lang="en-US" dirty="0" err="1"/>
+              <a:t>ChatGPT</a:t>
+            </a:r>
+            <a:r>
+              <a:rPr lang="en-US" dirty="0"/>
+              <a:t> into your app</a:t>
             </a:r>
           </a:p>
           <a:p>
@@ -15304,7 +15193,7 @@
             </p:custDataLst>
             <p:extLst>
               <p:ext uri="{D42A27DB-BD31-4B8C-83A1-F6EECF244321}">
-                <p14:modId xmlns:p14="http://schemas.microsoft.com/office/powerpoint/2010/main" val="380125787"/>
+                <p14:modId xmlns:p14="http://schemas.microsoft.com/office/powerpoint/2010/main" val="1584371406"/>
               </p:ext>
             </p:extLst>
           </p:nvPr>
@@ -15451,7 +15340,7 @@
         <p:spPr>
           <a:xfrm>
             <a:off x="1601360" y="1944834"/>
-            <a:ext cx="9571416" cy="3708664"/>
+            <a:ext cx="9571416" cy="4303566"/>
           </a:xfrm>
           <a:prstGeom prst="rect">
             <a:avLst/>
@@ -15687,7 +15576,7 @@
                 <a:effectLst/>
                 <a:latin typeface="segoe-ui_light"/>
               </a:rPr>
-              <a:t>Deploy a model</a:t>
+              <a:t>Deploy a GPT model</a:t>
             </a:r>
           </a:p>
           <a:p>
@@ -15715,7 +15604,7 @@
                 <a:effectLst/>
                 <a:latin typeface="segoe-ui_light"/>
               </a:rPr>
-              <a:t>Explore a model in the Completions playground</a:t>
+              <a:t>Create a new project</a:t>
             </a:r>
           </a:p>
           <a:p>
@@ -15744,7 +15633,7 @@
                 <a:effectLst/>
                 <a:latin typeface="segoe-ui_light"/>
               </a:rPr>
-              <a:t>Use a model to classify text</a:t>
+              <a:t>Install libraries</a:t>
             </a:r>
           </a:p>
           <a:p>
@@ -15773,16 +15662,81 @@
                 <a:effectLst/>
                 <a:latin typeface="segoe-ui_light"/>
               </a:rPr>
-              <a:t>Explore code-generation</a:t>
-            </a:r>
-            <a:endParaRPr lang="en-US" b="1" dirty="0"/>
+              <a:t>Configure app to access Azure </a:t>
+            </a:r>
+            <a:r>
+              <a:rPr lang="en-US" b="0" i="0" dirty="0" err="1">
+                <a:solidFill>
+                  <a:srgbClr val="222222"/>
+                </a:solidFill>
+                <a:effectLst/>
+                <a:latin typeface="segoe-ui_light"/>
+              </a:rPr>
+              <a:t>OpenAI</a:t>
+            </a:r>
+            <a:r>
+              <a:rPr lang="en-US" b="0" i="0" dirty="0">
+                <a:solidFill>
+                  <a:srgbClr val="222222"/>
+                </a:solidFill>
+                <a:effectLst/>
+                <a:latin typeface="segoe-ui_light"/>
+              </a:rPr>
+              <a:t> resource</a:t>
+            </a:r>
+          </a:p>
+          <a:p>
+            <a:pPr marL="342900" indent="-342900" algn="just">
+              <a:buFont typeface="Arial" panose="020B0604020202020204" pitchFamily="34" charset="0"/>
+              <a:buChar char="•"/>
+            </a:pPr>
+            <a:endParaRPr lang="en-US" b="0" i="0" dirty="0">
+              <a:solidFill>
+                <a:srgbClr val="222222"/>
+              </a:solidFill>
+              <a:effectLst/>
+              <a:latin typeface="segoe-ui_light"/>
+            </a:endParaRPr>
+          </a:p>
+          <a:p>
+            <a:pPr marL="342900" indent="-342900" algn="just">
+              <a:buFont typeface="Arial" panose="020B0604020202020204" pitchFamily="34" charset="0"/>
+              <a:buChar char="•"/>
+            </a:pPr>
+            <a:r>
+              <a:rPr lang="en-US" dirty="0">
+                <a:solidFill>
+                  <a:srgbClr val="222222"/>
+                </a:solidFill>
+                <a:latin typeface="segoe-ui_light"/>
+              </a:rPr>
+              <a:t>Call Azure </a:t>
+            </a:r>
+            <a:r>
+              <a:rPr lang="en-US" dirty="0" err="1">
+                <a:solidFill>
+                  <a:srgbClr val="222222"/>
+                </a:solidFill>
+                <a:latin typeface="segoe-ui_light"/>
+              </a:rPr>
+              <a:t>OpenAI</a:t>
+            </a:r>
+            <a:r>
+              <a:rPr lang="en-US" dirty="0">
+                <a:solidFill>
+                  <a:srgbClr val="222222"/>
+                </a:solidFill>
+                <a:latin typeface="segoe-ui_light"/>
+              </a:rPr>
+              <a:t> resource</a:t>
+            </a:r>
           </a:p>
         </p:txBody>
       </p:sp>
     </p:spTree>
     <p:extLst>
       <p:ext uri="{BB962C8B-B14F-4D97-AF65-F5344CB8AC3E}">
-        <p14:creationId xmlns:p14="http://schemas.microsoft.com/office/powerpoint/2010/main" val="2853517971"/>
+        <p14:creationId xmlns:p14="http://schemas.microsoft.com/office/powerpoint/2010/main" val="4012486485"/>
       </p:ext>
     </p:extLst>
   </p:cSld>
@@ -16536,7 +16490,41 @@
                 <a:ea typeface="Calibri" panose="020F0502020204030204" pitchFamily="34" charset="0"/>
                 <a:cs typeface="Times New Roman" panose="02020603050405020304" pitchFamily="18" charset="0"/>
               </a:rPr>
-              <a:t>Over the last decade, we have seen Artificial intelligence in short AI progressing with typical quasilinear growth. Artificial intelligence is already impacting virtually every industry and every human being. This incredible technology has brought many good and questionable things into our lives, and it will create an even bigger impact in the next decades. </a:t>
+              <a:t>Over the last decade, we have seen that Artificial intelligence in short AI is progressing with typical quasilinear growth. AI is already impacting </a:t>
+            </a:r>
+            <a:r>
+              <a:rPr lang="en-US" sz="1800" dirty="0">
+                <a:latin typeface="Calibri" panose="020F0502020204030204" pitchFamily="34" charset="0"/>
+                <a:ea typeface="Calibri" panose="020F0502020204030204" pitchFamily="34" charset="0"/>
+                <a:cs typeface="Times New Roman" panose="02020603050405020304" pitchFamily="18" charset="0"/>
+              </a:rPr>
+              <a:t>tremendously </a:t>
+            </a:r>
+            <a:r>
+              <a:rPr lang="en-US" sz="1800" dirty="0">
+                <a:effectLst/>
+                <a:latin typeface="Calibri" panose="020F0502020204030204" pitchFamily="34" charset="0"/>
+                <a:ea typeface="Calibri" panose="020F0502020204030204" pitchFamily="34" charset="0"/>
+                <a:cs typeface="Times New Roman" panose="02020603050405020304" pitchFamily="18" charset="0"/>
+              </a:rPr>
+              <a:t>every industry and human being. This technology has brought many good and questionable things into our lives, and it will create an even bigger impact in the </a:t>
+            </a:r>
+            <a:r>
+              <a:rPr lang="en-US" sz="1800" dirty="0">
+                <a:latin typeface="Calibri" panose="020F0502020204030204" pitchFamily="34" charset="0"/>
+                <a:ea typeface="Calibri" panose="020F0502020204030204" pitchFamily="34" charset="0"/>
+                <a:cs typeface="Times New Roman" panose="02020603050405020304" pitchFamily="18" charset="0"/>
+              </a:rPr>
+              <a:t>future.</a:t>
+            </a:r>
+            <a:r>
+              <a:rPr lang="en-US" sz="1800" dirty="0">
+                <a:effectLst/>
+                <a:latin typeface="Calibri" panose="020F0502020204030204" pitchFamily="34" charset="0"/>
+                <a:ea typeface="Calibri" panose="020F0502020204030204" pitchFamily="34" charset="0"/>
+                <a:cs typeface="Times New Roman" panose="02020603050405020304" pitchFamily="18" charset="0"/>
+              </a:rPr>
+              <a:t> </a:t>
             </a:r>
           </a:p>
           <a:p>
@@ -20195,15 +20183,6 @@
 </file>
 
 <file path=customXml/item1.xml><?xml version="1.0" encoding="utf-8"?>
-<?mso-contentType ?>
-<FormTemplates xmlns="http://schemas.microsoft.com/sharepoint/v3/contenttype/forms">
-  <Display>DocumentLibraryForm</Display>
-  <Edit>DocumentLibraryForm</Edit>
-  <New>DocumentLibraryForm</New>
-</FormTemplates>
-</file>
-
-<file path=customXml/item2.xml><?xml version="1.0" encoding="utf-8"?>
 <ct:contentTypeSchema xmlns:ct="http://schemas.microsoft.com/office/2006/metadata/contentType" xmlns:ma="http://schemas.microsoft.com/office/2006/metadata/properties/metaAttributes" ct:_="" ma:_="" ma:contentTypeName="Document" ma:contentTypeID="0x01010079F111ED35F8CC479449609E8A0923A6" ma:contentTypeVersion="20" ma:contentTypeDescription="Create a new document." ma:contentTypeScope="" ma:versionID="1267097ee5f5874adfcc408041ae252e">
   <xsd:schema xmlns:xsd="http://www.w3.org/2001/XMLSchema" xmlns:xs="http://www.w3.org/2001/XMLSchema" xmlns:p="http://schemas.microsoft.com/office/2006/metadata/properties" xmlns:ns1="http://schemas.microsoft.com/sharepoint/v3" xmlns:ns2="71af3243-3dd4-4a8d-8c0d-dd76da1f02a5" xmlns:ns3="16c05727-aa75-4e4a-9b5f-8a80a1165891" xmlns:ns4="230e9df3-be65-4c73-a93b-d1236ebd677e" targetNamespace="http://schemas.microsoft.com/office/2006/metadata/properties" ma:root="true" ma:fieldsID="395891a93df65b14727750f2c06c306c" ns1:_="" ns2:_="" ns3:_="" ns4:_="">
     <xsd:import namespace="http://schemas.microsoft.com/sharepoint/v3"/>
@@ -20479,6 +20458,15 @@
 </ct:contentTypeSchema>
 </file>
 
+<file path=customXml/item2.xml><?xml version="1.0" encoding="utf-8"?>
+<?mso-contentType ?>
+<FormTemplates xmlns="http://schemas.microsoft.com/sharepoint/v3/contenttype/forms">
+  <Display>DocumentLibraryForm</Display>
+  <Edit>DocumentLibraryForm</Edit>
+  <New>DocumentLibraryForm</New>
+</FormTemplates>
+</file>
+
 <file path=customXml/item3.xml><?xml version="1.0" encoding="utf-8"?>
 <p:properties xmlns:p="http://schemas.microsoft.com/office/2006/metadata/properties" xmlns:xsi="http://www.w3.org/2001/XMLSchema-instance" xmlns:pc="http://schemas.microsoft.com/office/infopath/2007/PartnerControls">
   <documentManagement>
@@ -20499,14 +20487,6 @@
 </file>
 
 <file path=customXml/itemProps1.xml><?xml version="1.0" encoding="utf-8"?>
-<ds:datastoreItem xmlns:ds="http://schemas.openxmlformats.org/officeDocument/2006/customXml" ds:itemID="{BD5826B4-4DD2-4A9B-8D6D-E91CF9C2316C}">
-  <ds:schemaRefs>
-    <ds:schemaRef ds:uri="http://schemas.microsoft.com/sharepoint/v3/contenttype/forms"/>
-  </ds:schemaRefs>
-</ds:datastoreItem>
-</file>
-
-<file path=customXml/itemProps2.xml><?xml version="1.0" encoding="utf-8"?>
 <ds:datastoreItem xmlns:ds="http://schemas.openxmlformats.org/officeDocument/2006/customXml" ds:itemID="{4DC6F004-8F9D-4F40-8394-6C4C67F70915}">
   <ds:schemaRefs>
     <ds:schemaRef ds:uri="http://schemas.microsoft.com/office/2006/metadata/contentType"/>
@@ -20523,6 +20503,14 @@
     <ds:schemaRef ds:uri="http://purl.org/dc/elements/1.1/"/>
     <ds:schemaRef ds:uri="http://purl.org/dc/terms/"/>
     <ds:schemaRef ds:uri="http://schemas.microsoft.com/internal/obd"/>
+  </ds:schemaRefs>
+</ds:datastoreItem>
+</file>
+
+<file path=customXml/itemProps2.xml><?xml version="1.0" encoding="utf-8"?>
+<ds:datastoreItem xmlns:ds="http://schemas.openxmlformats.org/officeDocument/2006/customXml" ds:itemID="{BD5826B4-4DD2-4A9B-8D6D-E91CF9C2316C}">
+  <ds:schemaRefs>
+    <ds:schemaRef ds:uri="http://schemas.microsoft.com/sharepoint/v3/contenttype/forms"/>
   </ds:schemaRefs>
 </ds:datastoreItem>
 </file>

--- a/6. Develop AI solutions with Azure OpenAI/Develop AI solutions with Azure OpenAI.pptx
+++ b/6. Develop AI solutions with Azure OpenAI/Develop AI solutions with Azure OpenAI.pptx
@@ -13294,10 +13294,9 @@
           <a:lstStyle/>
           <a:p>
             <a:r>
-              <a:rPr lang="en-US" dirty="0" err="1"/>
-              <a:t>ChatGPT</a:t>
-            </a:r>
-            <a:endParaRPr lang="en-US" dirty="0"/>
+              <a:rPr lang="en-US" dirty="0"/>
+              <a:t>Adjusting model parameters</a:t>
+            </a:r>
           </a:p>
         </p:txBody>
       </p:sp>
@@ -13346,28 +13345,28 @@
                 <a:effectLst/>
                 <a:latin typeface="Segoe UI" panose="020B0502040204020203" pitchFamily="34" charset="0"/>
               </a:rPr>
-              <a:t> chatbot built by the </a:t>
-            </a:r>
-            <a:r>
-              <a:rPr lang="en-US" b="0" i="0" dirty="0" err="1">
+              <a:t>djusting parameters of the model can have a significant impact on the response.</a:t>
+            </a:r>
+          </a:p>
+          <a:p>
+            <a:r>
+              <a:rPr lang="en-US" dirty="0">
                 <a:solidFill>
                   <a:srgbClr val="161616"/>
                 </a:solidFill>
-                <a:effectLst/>
                 <a:latin typeface="Segoe UI" panose="020B0502040204020203" pitchFamily="34" charset="0"/>
               </a:rPr>
-              <a:t>OpenAI</a:t>
-            </a:r>
-            <a:r>
-              <a:rPr lang="en-US" b="0" i="0" dirty="0">
-                <a:solidFill>
-                  <a:srgbClr val="161616"/>
-                </a:solidFill>
-                <a:effectLst/>
-                <a:latin typeface="Segoe UI" panose="020B0502040204020203" pitchFamily="34" charset="0"/>
-              </a:rPr>
-              <a:t> research company that takes in natural language input from a user and returns a machine-created, human-like response.</a:t>
-            </a:r>
+              <a:t>e.g. temperature and top-p(top probability) are the most likely to impact the response of a model</a:t>
+            </a:r>
+            <a:endParaRPr lang="en-US" b="0" i="0" dirty="0">
+              <a:solidFill>
+                <a:srgbClr val="161616"/>
+              </a:solidFill>
+              <a:effectLst/>
+              <a:latin typeface="Segoe UI" panose="020B0502040204020203" pitchFamily="34" charset="0"/>
+            </a:endParaRPr>
+          </a:p>
+          <a:p>
             <a:endParaRPr lang="en-US" dirty="0"/>
           </a:p>
         </p:txBody>
@@ -13400,7 +13399,7 @@
           <a:p>
             <a:r>
               <a:rPr lang="en-US" dirty="0"/>
-              <a:t>GitHub Copilot </a:t>
+              <a:t>Write more effective prompts</a:t>
             </a:r>
           </a:p>
         </p:txBody>
@@ -13435,7 +13434,7 @@
           <a:p>
             <a:r>
               <a:rPr lang="en-US" dirty="0"/>
-              <a:t>GitHub Copilot uses the </a:t>
+              <a:t>Asking the Azure </a:t>
             </a:r>
             <a:r>
               <a:rPr lang="en-US" dirty="0" err="1"/>
@@ -13443,7 +13442,13 @@
             </a:r>
             <a:r>
               <a:rPr lang="en-US" dirty="0"/>
-              <a:t> Codex to suggest code and entire functions in real-time, right from your editor.​​</a:t>
+              <a:t> model clearly for what you want is one way to get desired results.</a:t>
+            </a:r>
+          </a:p>
+          <a:p>
+            <a:r>
+              <a:rPr lang="en-US" dirty="0"/>
+              <a:t>For example, say you want to create a product description for a new water bottle.</a:t>
             </a:r>
           </a:p>
         </p:txBody>
@@ -13476,7 +13481,7 @@
           <a:p>
             <a:r>
               <a:rPr lang="en-US" dirty="0"/>
-              <a:t>DALL·E 2</a:t>
+              <a:t>Prompt components</a:t>
             </a:r>
           </a:p>
         </p:txBody>
@@ -13500,19 +13505,74 @@
         <p:spPr>
           <a:xfrm>
             <a:off x="8066421" y="3834606"/>
-            <a:ext cx="2882475" cy="1997867"/>
+            <a:ext cx="2882475" cy="2621893"/>
           </a:xfrm>
         </p:spPr>
         <p:txBody>
           <a:bodyPr>
-            <a:normAutofit/>
+            <a:normAutofit lnSpcReduction="10000"/>
           </a:bodyPr>
           <a:lstStyle/>
           <a:p>
             <a:r>
               <a:rPr lang="en-US" dirty="0"/>
-              <a:t>An AI system that can create realistic images and art from a description in natural .language</a:t>
-            </a:r>
+              <a:t>Always use section markers to split the instructions and content.</a:t>
+            </a:r>
+          </a:p>
+          <a:p>
+            <a:r>
+              <a:rPr lang="en-US" dirty="0"/>
+              <a:t>e.g. </a:t>
+            </a:r>
+          </a:p>
+          <a:p>
+            <a:r>
+              <a:rPr lang="en-US" b="0" i="0" dirty="0">
+                <a:solidFill>
+                  <a:srgbClr val="161616"/>
+                </a:solidFill>
+                <a:effectLst/>
+                <a:latin typeface="SFMono-Regular"/>
+              </a:rPr>
+              <a:t>Translate the text into French </a:t>
+            </a:r>
+          </a:p>
+          <a:p>
+            <a:r>
+              <a:rPr lang="en-US" b="0" i="0" dirty="0">
+                <a:solidFill>
+                  <a:srgbClr val="161616"/>
+                </a:solidFill>
+                <a:effectLst/>
+                <a:latin typeface="SFMono-Regular"/>
+              </a:rPr>
+              <a:t>--- </a:t>
+            </a:r>
+          </a:p>
+          <a:p>
+            <a:r>
+              <a:rPr lang="en-US" b="0" i="0" dirty="0">
+                <a:solidFill>
+                  <a:srgbClr val="161616"/>
+                </a:solidFill>
+                <a:effectLst/>
+                <a:latin typeface="SFMono-Regular"/>
+              </a:rPr>
+              <a:t>What's the weather going to be like today? </a:t>
+            </a:r>
+          </a:p>
+          <a:p>
+            <a:r>
+              <a:rPr lang="en-US" b="0" i="0" dirty="0">
+                <a:solidFill>
+                  <a:srgbClr val="161616"/>
+                </a:solidFill>
+                <a:effectLst/>
+                <a:latin typeface="SFMono-Regular"/>
+              </a:rPr>
+              <a:t>---</a:t>
+            </a:r>
+            <a:endParaRPr lang="en-US" dirty="0"/>
           </a:p>
         </p:txBody>
       </p:sp>
@@ -13567,8 +13627,8 @@
         </p:nvSpPr>
         <p:spPr>
           <a:xfrm>
-            <a:off x="1601360" y="1944834"/>
-            <a:ext cx="9571416" cy="552792"/>
+            <a:off x="1243104" y="1944834"/>
+            <a:ext cx="10049968" cy="552792"/>
           </a:xfrm>
           <a:prstGeom prst="rect">
             <a:avLst/>
@@ -13751,17 +13811,17 @@
                 <a:effectLst/>
                 <a:latin typeface="Segoe UI" panose="020B0502040204020203" pitchFamily="34" charset="0"/>
               </a:rPr>
-              <a:t>Many </a:t>
-            </a:r>
-            <a:r>
-              <a:rPr lang="en-US" b="1" i="0" dirty="0">
+              <a:t>Prompt engineering involves designing and optimizing prompts to better utilize Azure </a:t>
+            </a:r>
+            <a:r>
+              <a:rPr lang="en-US" b="0" i="0" dirty="0" err="1">
                 <a:solidFill>
                   <a:srgbClr val="161616"/>
                 </a:solidFill>
                 <a:effectLst/>
                 <a:latin typeface="Segoe UI" panose="020B0502040204020203" pitchFamily="34" charset="0"/>
               </a:rPr>
-              <a:t>generative AI </a:t>
+              <a:t>OpenAI</a:t>
             </a:r>
             <a:r>
               <a:rPr lang="en-US" b="0" i="0" dirty="0">
@@ -13771,17 +13831,7 @@
                 <a:effectLst/>
                 <a:latin typeface="Segoe UI" panose="020B0502040204020203" pitchFamily="34" charset="0"/>
               </a:rPr>
-              <a:t>models are a subset of </a:t>
-            </a:r>
-            <a:r>
-              <a:rPr lang="en-US" b="1" i="0" dirty="0">
-                <a:solidFill>
-                  <a:srgbClr val="161616"/>
-                </a:solidFill>
-                <a:effectLst/>
-                <a:latin typeface="Segoe UI" panose="020B0502040204020203" pitchFamily="34" charset="0"/>
-              </a:rPr>
-              <a:t>deep learning algorithms</a:t>
+              <a:t> models</a:t>
             </a:r>
             <a:endParaRPr lang="en-US" b="1" dirty="0"/>
           </a:p>
@@ -13835,7 +13885,7 @@
             </p:custDataLst>
             <p:extLst>
               <p:ext uri="{D42A27DB-BD31-4B8C-83A1-F6EECF244321}">
-                <p14:modId xmlns:p14="http://schemas.microsoft.com/office/powerpoint/2010/main" val="3329026416"/>
+                <p14:modId xmlns:p14="http://schemas.microsoft.com/office/powerpoint/2010/main" val="2417469307"/>
               </p:ext>
             </p:extLst>
           </p:nvPr>
@@ -13917,7 +13967,7 @@
           <a:p>
             <a:r>
               <a:rPr lang="en-US" dirty="0"/>
-              <a:t>How to write more effective prompts?</a:t>
+              <a:t>Prompt engineering techniques</a:t>
             </a:r>
           </a:p>
         </p:txBody>
@@ -13974,7 +14024,7 @@
         <p:spPr>
           <a:xfrm>
             <a:off x="1601360" y="1944834"/>
-            <a:ext cx="9571416" cy="3708664"/>
+            <a:ext cx="9571416" cy="4432758"/>
           </a:xfrm>
           <a:prstGeom prst="rect">
             <a:avLst/>
@@ -14156,52 +14206,12 @@
             <a:r>
               <a:rPr lang="en-US" b="0" i="0" dirty="0">
                 <a:solidFill>
-                  <a:srgbClr val="323130"/>
+                  <a:srgbClr val="161616"/>
                 </a:solidFill>
                 <a:effectLst/>
                 <a:latin typeface="Segoe UI" panose="020B0502040204020203" pitchFamily="34" charset="0"/>
               </a:rPr>
-              <a:t>Azure </a:t>
-            </a:r>
-            <a:r>
-              <a:rPr lang="en-US" b="0" i="0" dirty="0" err="1">
-                <a:solidFill>
-                  <a:srgbClr val="323130"/>
-                </a:solidFill>
-                <a:effectLst/>
-                <a:latin typeface="Segoe UI" panose="020B0502040204020203" pitchFamily="34" charset="0"/>
-              </a:rPr>
-              <a:t>OpenAI</a:t>
-            </a:r>
-            <a:r>
-              <a:rPr lang="en-US" b="0" i="0" dirty="0">
-                <a:solidFill>
-                  <a:srgbClr val="323130"/>
-                </a:solidFill>
-                <a:effectLst/>
-                <a:latin typeface="Segoe UI" panose="020B0502040204020203" pitchFamily="34" charset="0"/>
-              </a:rPr>
-              <a:t> Service provides access to </a:t>
-            </a:r>
-            <a:r>
-              <a:rPr lang="en-US" b="0" i="0" dirty="0" err="1">
-                <a:solidFill>
-                  <a:srgbClr val="323130"/>
-                </a:solidFill>
-                <a:effectLst/>
-                <a:latin typeface="Segoe UI" panose="020B0502040204020203" pitchFamily="34" charset="0"/>
-              </a:rPr>
-              <a:t>OpenAI's</a:t>
-            </a:r>
-            <a:r>
-              <a:rPr lang="en-US" b="0" i="0" dirty="0">
-                <a:solidFill>
-                  <a:srgbClr val="323130"/>
-                </a:solidFill>
-                <a:effectLst/>
-                <a:latin typeface="Segoe UI" panose="020B0502040204020203" pitchFamily="34" charset="0"/>
-              </a:rPr>
-              <a:t> language models, such as GPT-4, Codex, and Embeddings, for tasks like content generation, summarization, semantic search, and natural language to code translation</a:t>
+              <a:t>By providing context to the AI model, it allows the model to better understand what you are asking for or what it should know to provide the best answer. </a:t>
             </a:r>
           </a:p>
           <a:p>
@@ -14209,107 +14219,7 @@
               <a:buFont typeface="Arial" panose="020B0604020202020204" pitchFamily="34" charset="0"/>
               <a:buChar char="•"/>
             </a:pPr>
-            <a:endParaRPr lang="en-US" b="0" i="0" dirty="0">
-              <a:solidFill>
-                <a:srgbClr val="323130"/>
-              </a:solidFill>
-              <a:effectLst/>
-              <a:latin typeface="Segoe UI" panose="020B0502040204020203" pitchFamily="34" charset="0"/>
-            </a:endParaRPr>
-          </a:p>
-          <a:p>
-            <a:pPr marL="342900" indent="-342900" algn="just">
-              <a:buFont typeface="Arial" panose="020B0604020202020204" pitchFamily="34" charset="0"/>
-              <a:buChar char="•"/>
-            </a:pPr>
-            <a:r>
-              <a:rPr lang="en-US" b="0" i="0" dirty="0">
-                <a:solidFill>
-                  <a:srgbClr val="323130"/>
-                </a:solidFill>
-                <a:effectLst/>
-                <a:latin typeface="Segoe UI" panose="020B0502040204020203" pitchFamily="34" charset="0"/>
-              </a:rPr>
-              <a:t>It can be accessed through REST APIs, Python SDK, or the Azure </a:t>
-            </a:r>
-            <a:r>
-              <a:rPr lang="en-US" b="0" i="0" dirty="0" err="1">
-                <a:solidFill>
-                  <a:srgbClr val="323130"/>
-                </a:solidFill>
-                <a:effectLst/>
-                <a:latin typeface="Segoe UI" panose="020B0502040204020203" pitchFamily="34" charset="0"/>
-              </a:rPr>
-              <a:t>OpenAI</a:t>
-            </a:r>
-            <a:r>
-              <a:rPr lang="en-US" b="0" i="0" dirty="0">
-                <a:solidFill>
-                  <a:srgbClr val="323130"/>
-                </a:solidFill>
-                <a:effectLst/>
-                <a:latin typeface="Segoe UI" panose="020B0502040204020203" pitchFamily="34" charset="0"/>
-              </a:rPr>
-              <a:t> Studio web-based interface</a:t>
-            </a:r>
-          </a:p>
-          <a:p>
-            <a:pPr marL="342900" indent="-342900" algn="just">
-              <a:buFont typeface="Arial" panose="020B0604020202020204" pitchFamily="34" charset="0"/>
-              <a:buChar char="•"/>
-            </a:pPr>
-            <a:endParaRPr lang="en-US" b="0" i="0" dirty="0">
-              <a:solidFill>
-                <a:srgbClr val="323130"/>
-              </a:solidFill>
-              <a:effectLst/>
-              <a:latin typeface="Segoe UI" panose="020B0502040204020203" pitchFamily="34" charset="0"/>
-            </a:endParaRPr>
-          </a:p>
-          <a:p>
-            <a:pPr marL="342900" indent="-342900" algn="just">
-              <a:buFont typeface="Arial" panose="020B0604020202020204" pitchFamily="34" charset="0"/>
-              <a:buChar char="•"/>
-            </a:pPr>
-            <a:r>
-              <a:rPr lang="en-US" b="0" i="0" dirty="0">
-                <a:solidFill>
-                  <a:srgbClr val="161616"/>
-                </a:solidFill>
-                <a:effectLst/>
-                <a:latin typeface="Segoe UI" panose="020B0502040204020203" pitchFamily="34" charset="0"/>
-              </a:rPr>
-              <a:t>Azure </a:t>
-            </a:r>
-            <a:r>
-              <a:rPr lang="en-US" b="0" i="0" dirty="0" err="1">
-                <a:solidFill>
-                  <a:srgbClr val="161616"/>
-                </a:solidFill>
-                <a:effectLst/>
-                <a:latin typeface="Segoe UI" panose="020B0502040204020203" pitchFamily="34" charset="0"/>
-              </a:rPr>
-              <a:t>OpenAI</a:t>
-            </a:r>
-            <a:r>
-              <a:rPr lang="en-US" b="0" i="0" dirty="0">
-                <a:solidFill>
-                  <a:srgbClr val="161616"/>
-                </a:solidFill>
-                <a:effectLst/>
-                <a:latin typeface="Segoe UI" panose="020B0502040204020203" pitchFamily="34" charset="0"/>
-              </a:rPr>
-              <a:t> Service is currently in limited access. Users need to apply for service access at </a:t>
-            </a:r>
-            <a:r>
-              <a:rPr lang="en-US" b="0" i="0" u="none" strike="noStrike" dirty="0">
-                <a:effectLst/>
-                <a:latin typeface="Segoe UI" panose="020B0502040204020203" pitchFamily="34" charset="0"/>
-                <a:hlinkClick r:id="rId5"/>
-              </a:rPr>
-              <a:t>https://aka.ms/oai/access</a:t>
-            </a:r>
-            <a:endParaRPr lang="en-US" u="none" strike="noStrike" dirty="0">
+            <a:endParaRPr lang="en-US" dirty="0">
               <a:solidFill>
                 <a:srgbClr val="161616"/>
               </a:solidFill>
@@ -14317,6 +14227,138 @@
             </a:endParaRPr>
           </a:p>
           <a:p>
+            <a:pPr marL="342900" indent="-342900" algn="just">
+              <a:buFont typeface="Arial" panose="020B0604020202020204" pitchFamily="34" charset="0"/>
+              <a:buChar char="•"/>
+            </a:pPr>
+            <a:r>
+              <a:rPr lang="en-US" b="0" i="0" dirty="0">
+                <a:solidFill>
+                  <a:srgbClr val="161616"/>
+                </a:solidFill>
+                <a:effectLst/>
+                <a:latin typeface="Segoe UI" panose="020B0502040204020203" pitchFamily="34" charset="0"/>
+              </a:rPr>
+              <a:t>Context can be provided in several ways:-</a:t>
+            </a:r>
+          </a:p>
+          <a:p>
+            <a:pPr marL="800100" lvl="1" indent="-342900" algn="just">
+              <a:buFont typeface="Arial" panose="020B0604020202020204" pitchFamily="34" charset="0"/>
+              <a:buChar char="•"/>
+            </a:pPr>
+            <a:endParaRPr lang="en-US" b="0" dirty="0">
+              <a:solidFill>
+                <a:srgbClr val="161616"/>
+              </a:solidFill>
+              <a:latin typeface="Segoe UI" panose="020B0502040204020203" pitchFamily="34" charset="0"/>
+            </a:endParaRPr>
+          </a:p>
+          <a:p>
+            <a:pPr marL="800100" lvl="1" indent="-342900" algn="just">
+              <a:buFont typeface="Arial" panose="020B0604020202020204" pitchFamily="34" charset="0"/>
+              <a:buChar char="•"/>
+            </a:pPr>
+            <a:r>
+              <a:rPr lang="en-US" b="0" i="0" dirty="0">
+                <a:solidFill>
+                  <a:srgbClr val="323130"/>
+                </a:solidFill>
+                <a:effectLst/>
+                <a:latin typeface="Segoe UI" panose="020B0502040204020203" pitchFamily="34" charset="0"/>
+              </a:rPr>
+              <a:t>Request output composition</a:t>
+            </a:r>
+          </a:p>
+          <a:p>
+            <a:pPr marL="800100" lvl="1" indent="-342900" algn="just">
+              <a:buFont typeface="Arial" panose="020B0604020202020204" pitchFamily="34" charset="0"/>
+              <a:buChar char="•"/>
+            </a:pPr>
+            <a:r>
+              <a:rPr lang="en-US" b="0" dirty="0">
+                <a:solidFill>
+                  <a:srgbClr val="323130"/>
+                </a:solidFill>
+                <a:latin typeface="Segoe UI" panose="020B0502040204020203" pitchFamily="34" charset="0"/>
+              </a:rPr>
+              <a:t>System message</a:t>
+            </a:r>
+          </a:p>
+          <a:p>
+            <a:pPr marL="800100" lvl="1" indent="-342900" algn="just">
+              <a:buFont typeface="Arial" panose="020B0604020202020204" pitchFamily="34" charset="0"/>
+              <a:buChar char="•"/>
+            </a:pPr>
+            <a:r>
+              <a:rPr lang="en-US" b="0" dirty="0">
+                <a:solidFill>
+                  <a:srgbClr val="323130"/>
+                </a:solidFill>
+                <a:latin typeface="Segoe UI" panose="020B0502040204020203" pitchFamily="34" charset="0"/>
+              </a:rPr>
+              <a:t>Conversion history</a:t>
+            </a:r>
+          </a:p>
+          <a:p>
+            <a:pPr marL="800100" lvl="1" indent="-342900" algn="just">
+              <a:buFont typeface="Arial" panose="020B0604020202020204" pitchFamily="34" charset="0"/>
+              <a:buChar char="•"/>
+            </a:pPr>
+            <a:r>
+              <a:rPr lang="en-US" b="0" dirty="0">
+                <a:solidFill>
+                  <a:srgbClr val="323130"/>
+                </a:solidFill>
+                <a:latin typeface="Segoe UI" panose="020B0502040204020203" pitchFamily="34" charset="0"/>
+              </a:rPr>
+              <a:t>Few shot learning</a:t>
+            </a:r>
+          </a:p>
+          <a:p>
+            <a:pPr marL="800100" lvl="1" indent="-342900" algn="just">
+              <a:buFont typeface="Arial" panose="020B0604020202020204" pitchFamily="34" charset="0"/>
+              <a:buChar char="•"/>
+            </a:pPr>
+            <a:r>
+              <a:rPr lang="en-US" b="0" dirty="0">
+                <a:solidFill>
+                  <a:srgbClr val="323130"/>
+                </a:solidFill>
+                <a:latin typeface="Segoe UI" panose="020B0502040204020203" pitchFamily="34" charset="0"/>
+              </a:rPr>
+              <a:t>Break down a complex task</a:t>
+            </a:r>
+          </a:p>
+          <a:p>
+            <a:pPr marL="800100" lvl="1" indent="-342900" algn="just">
+              <a:buFont typeface="Arial" panose="020B0604020202020204" pitchFamily="34" charset="0"/>
+              <a:buChar char="•"/>
+            </a:pPr>
+            <a:r>
+              <a:rPr lang="en-US" b="0" dirty="0">
+                <a:solidFill>
+                  <a:srgbClr val="323130"/>
+                </a:solidFill>
+                <a:latin typeface="Segoe UI" panose="020B0502040204020203" pitchFamily="34" charset="0"/>
+              </a:rPr>
+              <a:t>Chain of thought</a:t>
+            </a:r>
+          </a:p>
+          <a:p>
+            <a:pPr marL="800100" lvl="1" indent="-342900" algn="just">
+              <a:buFont typeface="Arial" panose="020B0604020202020204" pitchFamily="34" charset="0"/>
+              <a:buChar char="•"/>
+            </a:pPr>
+            <a:r>
+              <a:rPr lang="en-US" b="0" dirty="0">
+                <a:solidFill>
+                  <a:srgbClr val="323130"/>
+                </a:solidFill>
+                <a:latin typeface="Segoe UI" panose="020B0502040204020203" pitchFamily="34" charset="0"/>
+              </a:rPr>
+              <a:t>Specify the output structure</a:t>
+            </a:r>
             <a:endParaRPr lang="en-US" b="1" dirty="0"/>
           </a:p>
         </p:txBody>
@@ -20183,6 +20225,15 @@
 </file>
 
 <file path=customXml/item1.xml><?xml version="1.0" encoding="utf-8"?>
+<?mso-contentType ?>
+<FormTemplates xmlns="http://schemas.microsoft.com/sharepoint/v3/contenttype/forms">
+  <Display>DocumentLibraryForm</Display>
+  <Edit>DocumentLibraryForm</Edit>
+  <New>DocumentLibraryForm</New>
+</FormTemplates>
+</file>
+
+<file path=customXml/item2.xml><?xml version="1.0" encoding="utf-8"?>
 <ct:contentTypeSchema xmlns:ct="http://schemas.microsoft.com/office/2006/metadata/contentType" xmlns:ma="http://schemas.microsoft.com/office/2006/metadata/properties/metaAttributes" ct:_="" ma:_="" ma:contentTypeName="Document" ma:contentTypeID="0x01010079F111ED35F8CC479449609E8A0923A6" ma:contentTypeVersion="20" ma:contentTypeDescription="Create a new document." ma:contentTypeScope="" ma:versionID="1267097ee5f5874adfcc408041ae252e">
   <xsd:schema xmlns:xsd="http://www.w3.org/2001/XMLSchema" xmlns:xs="http://www.w3.org/2001/XMLSchema" xmlns:p="http://schemas.microsoft.com/office/2006/metadata/properties" xmlns:ns1="http://schemas.microsoft.com/sharepoint/v3" xmlns:ns2="71af3243-3dd4-4a8d-8c0d-dd76da1f02a5" xmlns:ns3="16c05727-aa75-4e4a-9b5f-8a80a1165891" xmlns:ns4="230e9df3-be65-4c73-a93b-d1236ebd677e" targetNamespace="http://schemas.microsoft.com/office/2006/metadata/properties" ma:root="true" ma:fieldsID="395891a93df65b14727750f2c06c306c" ns1:_="" ns2:_="" ns3:_="" ns4:_="">
     <xsd:import namespace="http://schemas.microsoft.com/sharepoint/v3"/>
@@ -20458,15 +20509,6 @@
 </ct:contentTypeSchema>
 </file>
 
-<file path=customXml/item2.xml><?xml version="1.0" encoding="utf-8"?>
-<?mso-contentType ?>
-<FormTemplates xmlns="http://schemas.microsoft.com/sharepoint/v3/contenttype/forms">
-  <Display>DocumentLibraryForm</Display>
-  <Edit>DocumentLibraryForm</Edit>
-  <New>DocumentLibraryForm</New>
-</FormTemplates>
-</file>
-
 <file path=customXml/item3.xml><?xml version="1.0" encoding="utf-8"?>
 <p:properties xmlns:p="http://schemas.microsoft.com/office/2006/metadata/properties" xmlns:xsi="http://www.w3.org/2001/XMLSchema-instance" xmlns:pc="http://schemas.microsoft.com/office/infopath/2007/PartnerControls">
   <documentManagement>
@@ -20487,6 +20529,14 @@
 </file>
 
 <file path=customXml/itemProps1.xml><?xml version="1.0" encoding="utf-8"?>
+<ds:datastoreItem xmlns:ds="http://schemas.openxmlformats.org/officeDocument/2006/customXml" ds:itemID="{BD5826B4-4DD2-4A9B-8D6D-E91CF9C2316C}">
+  <ds:schemaRefs>
+    <ds:schemaRef ds:uri="http://schemas.microsoft.com/sharepoint/v3/contenttype/forms"/>
+  </ds:schemaRefs>
+</ds:datastoreItem>
+</file>
+
+<file path=customXml/itemProps2.xml><?xml version="1.0" encoding="utf-8"?>
 <ds:datastoreItem xmlns:ds="http://schemas.openxmlformats.org/officeDocument/2006/customXml" ds:itemID="{4DC6F004-8F9D-4F40-8394-6C4C67F70915}">
   <ds:schemaRefs>
     <ds:schemaRef ds:uri="http://schemas.microsoft.com/office/2006/metadata/contentType"/>
@@ -20503,14 +20553,6 @@
     <ds:schemaRef ds:uri="http://purl.org/dc/elements/1.1/"/>
     <ds:schemaRef ds:uri="http://purl.org/dc/terms/"/>
     <ds:schemaRef ds:uri="http://schemas.microsoft.com/internal/obd"/>
-  </ds:schemaRefs>
-</ds:datastoreItem>
-</file>
-
-<file path=customXml/itemProps2.xml><?xml version="1.0" encoding="utf-8"?>
-<ds:datastoreItem xmlns:ds="http://schemas.openxmlformats.org/officeDocument/2006/customXml" ds:itemID="{BD5826B4-4DD2-4A9B-8D6D-E91CF9C2316C}">
-  <ds:schemaRefs>
-    <ds:schemaRef ds:uri="http://schemas.microsoft.com/sharepoint/v3/contenttype/forms"/>
   </ds:schemaRefs>
 </ds:datastoreItem>
 </file>

--- a/6. Develop AI solutions with Azure OpenAI/Develop AI solutions with Azure OpenAI.pptx
+++ b/6. Develop AI solutions with Azure OpenAI/Develop AI solutions with Azure OpenAI.pptx
@@ -239,7 +239,7 @@
           <a:p>
             <a:fld id="{B56F32FC-4BD9-442A-A8C6-51598C909FE3}" type="datetimeFigureOut">
               <a:rPr lang="en-US" smtClean="0"/>
-              <a:t>5/15/2023</a:t>
+              <a:t>5/18/2023</a:t>
             </a:fld>
             <a:endParaRPr lang="en-US" dirty="0"/>
           </a:p>
@@ -416,7 +416,7 @@
           <a:p>
             <a:fld id="{056371FA-A98D-41E8-93F4-09945841298A}" type="datetimeFigureOut">
               <a:rPr lang="en-US" smtClean="0"/>
-              <a:t>5/15/2023</a:t>
+              <a:t>5/18/2023</a:t>
             </a:fld>
             <a:endParaRPr lang="en-US" dirty="0"/>
           </a:p>
@@ -20225,15 +20225,6 @@
 </file>
 
 <file path=customXml/item1.xml><?xml version="1.0" encoding="utf-8"?>
-<?mso-contentType ?>
-<FormTemplates xmlns="http://schemas.microsoft.com/sharepoint/v3/contenttype/forms">
-  <Display>DocumentLibraryForm</Display>
-  <Edit>DocumentLibraryForm</Edit>
-  <New>DocumentLibraryForm</New>
-</FormTemplates>
-</file>
-
-<file path=customXml/item2.xml><?xml version="1.0" encoding="utf-8"?>
 <ct:contentTypeSchema xmlns:ct="http://schemas.microsoft.com/office/2006/metadata/contentType" xmlns:ma="http://schemas.microsoft.com/office/2006/metadata/properties/metaAttributes" ct:_="" ma:_="" ma:contentTypeName="Document" ma:contentTypeID="0x01010079F111ED35F8CC479449609E8A0923A6" ma:contentTypeVersion="20" ma:contentTypeDescription="Create a new document." ma:contentTypeScope="" ma:versionID="1267097ee5f5874adfcc408041ae252e">
   <xsd:schema xmlns:xsd="http://www.w3.org/2001/XMLSchema" xmlns:xs="http://www.w3.org/2001/XMLSchema" xmlns:p="http://schemas.microsoft.com/office/2006/metadata/properties" xmlns:ns1="http://schemas.microsoft.com/sharepoint/v3" xmlns:ns2="71af3243-3dd4-4a8d-8c0d-dd76da1f02a5" xmlns:ns3="16c05727-aa75-4e4a-9b5f-8a80a1165891" xmlns:ns4="230e9df3-be65-4c73-a93b-d1236ebd677e" targetNamespace="http://schemas.microsoft.com/office/2006/metadata/properties" ma:root="true" ma:fieldsID="395891a93df65b14727750f2c06c306c" ns1:_="" ns2:_="" ns3:_="" ns4:_="">
     <xsd:import namespace="http://schemas.microsoft.com/sharepoint/v3"/>
@@ -20509,6 +20500,15 @@
 </ct:contentTypeSchema>
 </file>
 
+<file path=customXml/item2.xml><?xml version="1.0" encoding="utf-8"?>
+<?mso-contentType ?>
+<FormTemplates xmlns="http://schemas.microsoft.com/sharepoint/v3/contenttype/forms">
+  <Display>DocumentLibraryForm</Display>
+  <Edit>DocumentLibraryForm</Edit>
+  <New>DocumentLibraryForm</New>
+</FormTemplates>
+</file>
+
 <file path=customXml/item3.xml><?xml version="1.0" encoding="utf-8"?>
 <p:properties xmlns:p="http://schemas.microsoft.com/office/2006/metadata/properties" xmlns:xsi="http://www.w3.org/2001/XMLSchema-instance" xmlns:pc="http://schemas.microsoft.com/office/infopath/2007/PartnerControls">
   <documentManagement>
@@ -20529,14 +20529,6 @@
 </file>
 
 <file path=customXml/itemProps1.xml><?xml version="1.0" encoding="utf-8"?>
-<ds:datastoreItem xmlns:ds="http://schemas.openxmlformats.org/officeDocument/2006/customXml" ds:itemID="{BD5826B4-4DD2-4A9B-8D6D-E91CF9C2316C}">
-  <ds:schemaRefs>
-    <ds:schemaRef ds:uri="http://schemas.microsoft.com/sharepoint/v3/contenttype/forms"/>
-  </ds:schemaRefs>
-</ds:datastoreItem>
-</file>
-
-<file path=customXml/itemProps2.xml><?xml version="1.0" encoding="utf-8"?>
 <ds:datastoreItem xmlns:ds="http://schemas.openxmlformats.org/officeDocument/2006/customXml" ds:itemID="{4DC6F004-8F9D-4F40-8394-6C4C67F70915}">
   <ds:schemaRefs>
     <ds:schemaRef ds:uri="http://schemas.microsoft.com/office/2006/metadata/contentType"/>
@@ -20553,6 +20545,14 @@
     <ds:schemaRef ds:uri="http://purl.org/dc/elements/1.1/"/>
     <ds:schemaRef ds:uri="http://purl.org/dc/terms/"/>
     <ds:schemaRef ds:uri="http://schemas.microsoft.com/internal/obd"/>
+  </ds:schemaRefs>
+</ds:datastoreItem>
+</file>
+
+<file path=customXml/itemProps2.xml><?xml version="1.0" encoding="utf-8"?>
+<ds:datastoreItem xmlns:ds="http://schemas.openxmlformats.org/officeDocument/2006/customXml" ds:itemID="{BD5826B4-4DD2-4A9B-8D6D-E91CF9C2316C}">
+  <ds:schemaRefs>
+    <ds:schemaRef ds:uri="http://schemas.microsoft.com/sharepoint/v3/contenttype/forms"/>
   </ds:schemaRefs>
 </ds:datastoreItem>
 </file>
